--- a/picture/自然言語処理.pptx
+++ b/picture/自然言語処理.pptx
@@ -5,10 +5,11 @@
     <p:sldMasterId id="2147483648" r:id="rId1"/>
   </p:sldMasterIdLst>
   <p:notesMasterIdLst>
-    <p:notesMasterId r:id="rId3"/>
+    <p:notesMasterId r:id="rId4"/>
   </p:notesMasterIdLst>
   <p:sldIdLst>
     <p:sldId id="258" r:id="rId2"/>
+    <p:sldId id="259" r:id="rId3"/>
   </p:sldIdLst>
   <p:sldSz cx="12192000" cy="6858000"/>
   <p:notesSz cx="6858000" cy="9144000"/>
@@ -107,6 +108,11 @@
       </a:defRPr>
     </a:lvl9pPr>
   </p:defaultTextStyle>
+  <p:extLst>
+    <p:ext uri="{EFAFB233-063F-42B5-8137-9DF3F51BA10A}">
+      <p15:sldGuideLst xmlns:p15="http://schemas.microsoft.com/office/powerpoint/2012/main"/>
+    </p:ext>
+  </p:extLst>
 </p:presentation>
 </file>
 
@@ -191,7 +197,7 @@
           </a:lstStyle>
           <a:p>
             <a:fld id="{4F175F1B-8A46-3145-ACE3-9DBFE333CBF2}" type="datetimeFigureOut">
-              <a:t>2024/4/28</a:t>
+              <a:t>2024/5/6</a:t>
             </a:fld>
             <a:endParaRPr kumimoji="1" lang="ja-JP" altLang="en-US"/>
           </a:p>
@@ -718,7 +724,7 @@
           <a:lstStyle/>
           <a:p>
             <a:fld id="{25786650-51A8-6341-A5AE-8570BFDA2D7D}" type="datetimeFigureOut">
-              <a:t>2024/4/28</a:t>
+              <a:t>2024/5/6</a:t>
             </a:fld>
             <a:endParaRPr kumimoji="1" lang="ja-JP" altLang="en-US"/>
           </a:p>
@@ -946,7 +952,7 @@
           <a:lstStyle/>
           <a:p>
             <a:fld id="{25786650-51A8-6341-A5AE-8570BFDA2D7D}" type="datetimeFigureOut">
-              <a:t>2024/4/28</a:t>
+              <a:t>2024/5/6</a:t>
             </a:fld>
             <a:endParaRPr kumimoji="1" lang="ja-JP" altLang="en-US"/>
           </a:p>
@@ -1184,7 +1190,7 @@
           <a:lstStyle/>
           <a:p>
             <a:fld id="{25786650-51A8-6341-A5AE-8570BFDA2D7D}" type="datetimeFigureOut">
-              <a:t>2024/4/28</a:t>
+              <a:t>2024/5/6</a:t>
             </a:fld>
             <a:endParaRPr kumimoji="1" lang="ja-JP" altLang="en-US"/>
           </a:p>
@@ -1412,7 +1418,7 @@
           <a:lstStyle/>
           <a:p>
             <a:fld id="{25786650-51A8-6341-A5AE-8570BFDA2D7D}" type="datetimeFigureOut">
-              <a:t>2024/4/28</a:t>
+              <a:t>2024/5/6</a:t>
             </a:fld>
             <a:endParaRPr kumimoji="1" lang="ja-JP" altLang="en-US"/>
           </a:p>
@@ -1685,7 +1691,7 @@
           <a:lstStyle/>
           <a:p>
             <a:fld id="{25786650-51A8-6341-A5AE-8570BFDA2D7D}" type="datetimeFigureOut">
-              <a:t>2024/4/28</a:t>
+              <a:t>2024/5/6</a:t>
             </a:fld>
             <a:endParaRPr kumimoji="1" lang="ja-JP" altLang="en-US"/>
           </a:p>
@@ -2012,7 +2018,7 @@
           <a:lstStyle/>
           <a:p>
             <a:fld id="{25786650-51A8-6341-A5AE-8570BFDA2D7D}" type="datetimeFigureOut">
-              <a:t>2024/4/28</a:t>
+              <a:t>2024/5/6</a:t>
             </a:fld>
             <a:endParaRPr kumimoji="1" lang="ja-JP" altLang="en-US"/>
           </a:p>
@@ -2486,7 +2492,7 @@
           <a:lstStyle/>
           <a:p>
             <a:fld id="{25786650-51A8-6341-A5AE-8570BFDA2D7D}" type="datetimeFigureOut">
-              <a:t>2024/4/28</a:t>
+              <a:t>2024/5/6</a:t>
             </a:fld>
             <a:endParaRPr kumimoji="1" lang="ja-JP" altLang="en-US"/>
           </a:p>
@@ -2625,7 +2631,7 @@
           <a:lstStyle/>
           <a:p>
             <a:fld id="{25786650-51A8-6341-A5AE-8570BFDA2D7D}" type="datetimeFigureOut">
-              <a:t>2024/4/28</a:t>
+              <a:t>2024/5/6</a:t>
             </a:fld>
             <a:endParaRPr kumimoji="1" lang="ja-JP" altLang="en-US"/>
           </a:p>
@@ -2736,7 +2742,7 @@
           <a:lstStyle/>
           <a:p>
             <a:fld id="{25786650-51A8-6341-A5AE-8570BFDA2D7D}" type="datetimeFigureOut">
-              <a:t>2024/4/28</a:t>
+              <a:t>2024/5/6</a:t>
             </a:fld>
             <a:endParaRPr kumimoji="1" lang="ja-JP" altLang="en-US"/>
           </a:p>
@@ -3077,7 +3083,7 @@
           <a:lstStyle/>
           <a:p>
             <a:fld id="{25786650-51A8-6341-A5AE-8570BFDA2D7D}" type="datetimeFigureOut">
-              <a:t>2024/4/28</a:t>
+              <a:t>2024/5/6</a:t>
             </a:fld>
             <a:endParaRPr kumimoji="1" lang="ja-JP" altLang="en-US"/>
           </a:p>
@@ -3363,7 +3369,7 @@
           <a:lstStyle/>
           <a:p>
             <a:fld id="{25786650-51A8-6341-A5AE-8570BFDA2D7D}" type="datetimeFigureOut">
-              <a:t>2024/4/28</a:t>
+              <a:t>2024/5/6</a:t>
             </a:fld>
             <a:endParaRPr kumimoji="1" lang="ja-JP" altLang="en-US"/>
           </a:p>
@@ -3634,7 +3640,7 @@
           </a:lstStyle>
           <a:p>
             <a:fld id="{25786650-51A8-6341-A5AE-8570BFDA2D7D}" type="datetimeFigureOut">
-              <a:t>2024/4/28</a:t>
+              <a:t>2024/5/6</a:t>
             </a:fld>
             <a:endParaRPr kumimoji="1" lang="ja-JP" altLang="en-US"/>
           </a:p>
@@ -6692,6 +6698,3595 @@
     <p:extLst>
       <p:ext uri="{BB962C8B-B14F-4D97-AF65-F5344CB8AC3E}">
         <p14:creationId xmlns:p14="http://schemas.microsoft.com/office/powerpoint/2010/main" val="2504989459"/>
+      </p:ext>
+    </p:extLst>
+  </p:cSld>
+  <p:clrMapOvr>
+    <a:masterClrMapping/>
+  </p:clrMapOvr>
+</p:sld>
+</file>
+
+<file path=ppt/slides/slide2.xml><?xml version="1.0" encoding="utf-8"?>
+<p:sld xmlns:a="http://schemas.openxmlformats.org/drawingml/2006/main" xmlns:r="http://schemas.openxmlformats.org/officeDocument/2006/relationships" xmlns:p="http://schemas.openxmlformats.org/presentationml/2006/main">
+  <p:cSld>
+    <p:spTree>
+      <p:nvGrpSpPr>
+        <p:cNvPr id="1" name=""/>
+        <p:cNvGrpSpPr/>
+        <p:nvPr/>
+      </p:nvGrpSpPr>
+      <p:grpSpPr>
+        <a:xfrm>
+          <a:off x="0" y="0"/>
+          <a:ext cx="0" cy="0"/>
+          <a:chOff x="0" y="0"/>
+          <a:chExt cx="0" cy="0"/>
+        </a:xfrm>
+      </p:grpSpPr>
+      <p:sp>
+        <p:nvSpPr>
+          <p:cNvPr id="2" name="円/楕円 1">
+            <a:extLst>
+              <a:ext uri="{FF2B5EF4-FFF2-40B4-BE49-F238E27FC236}">
+                <a16:creationId xmlns:a16="http://schemas.microsoft.com/office/drawing/2014/main" id="{DD2C0901-3B73-48CE-9369-1030C21E1989}"/>
+              </a:ext>
+            </a:extLst>
+          </p:cNvPr>
+          <p:cNvSpPr/>
+          <p:nvPr/>
+        </p:nvSpPr>
+        <p:spPr>
+          <a:xfrm>
+            <a:off x="1668622" y="737725"/>
+            <a:ext cx="226404" cy="226404"/>
+          </a:xfrm>
+          <a:prstGeom prst="ellipse">
+            <a:avLst/>
+          </a:prstGeom>
+        </p:spPr>
+        <p:style>
+          <a:lnRef idx="2">
+            <a:schemeClr val="dk1"/>
+          </a:lnRef>
+          <a:fillRef idx="1">
+            <a:schemeClr val="lt1"/>
+          </a:fillRef>
+          <a:effectRef idx="0">
+            <a:schemeClr val="dk1"/>
+          </a:effectRef>
+          <a:fontRef idx="minor">
+            <a:schemeClr val="dk1"/>
+          </a:fontRef>
+        </p:style>
+        <p:txBody>
+          <a:bodyPr rtlCol="0" anchor="ctr"/>
+          <a:lstStyle/>
+          <a:p>
+            <a:pPr algn="ctr"/>
+            <a:endParaRPr kumimoji="1" lang="ja-JP" altLang="en-US"/>
+          </a:p>
+        </p:txBody>
+      </p:sp>
+      <p:sp>
+        <p:nvSpPr>
+          <p:cNvPr id="3" name="円/楕円 2">
+            <a:extLst>
+              <a:ext uri="{FF2B5EF4-FFF2-40B4-BE49-F238E27FC236}">
+                <a16:creationId xmlns:a16="http://schemas.microsoft.com/office/drawing/2014/main" id="{7308A80C-64A5-5F1F-6A79-9FEBC27A8F1F}"/>
+              </a:ext>
+            </a:extLst>
+          </p:cNvPr>
+          <p:cNvSpPr/>
+          <p:nvPr/>
+        </p:nvSpPr>
+        <p:spPr>
+          <a:xfrm>
+            <a:off x="1673377" y="1156956"/>
+            <a:ext cx="226404" cy="226404"/>
+          </a:xfrm>
+          <a:prstGeom prst="ellipse">
+            <a:avLst/>
+          </a:prstGeom>
+        </p:spPr>
+        <p:style>
+          <a:lnRef idx="2">
+            <a:schemeClr val="dk1"/>
+          </a:lnRef>
+          <a:fillRef idx="1">
+            <a:schemeClr val="lt1"/>
+          </a:fillRef>
+          <a:effectRef idx="0">
+            <a:schemeClr val="dk1"/>
+          </a:effectRef>
+          <a:fontRef idx="minor">
+            <a:schemeClr val="dk1"/>
+          </a:fontRef>
+        </p:style>
+        <p:txBody>
+          <a:bodyPr rtlCol="0" anchor="ctr"/>
+          <a:lstStyle/>
+          <a:p>
+            <a:pPr algn="ctr"/>
+            <a:endParaRPr kumimoji="1" lang="ja-JP" altLang="en-US"/>
+          </a:p>
+        </p:txBody>
+      </p:sp>
+      <p:sp>
+        <p:nvSpPr>
+          <p:cNvPr id="6" name="円/楕円 5">
+            <a:extLst>
+              <a:ext uri="{FF2B5EF4-FFF2-40B4-BE49-F238E27FC236}">
+                <a16:creationId xmlns:a16="http://schemas.microsoft.com/office/drawing/2014/main" id="{901996E8-34F9-0D8B-EC6D-FB249D5A52FD}"/>
+              </a:ext>
+            </a:extLst>
+          </p:cNvPr>
+          <p:cNvSpPr/>
+          <p:nvPr/>
+        </p:nvSpPr>
+        <p:spPr>
+          <a:xfrm>
+            <a:off x="1673377" y="1750556"/>
+            <a:ext cx="226404" cy="226404"/>
+          </a:xfrm>
+          <a:prstGeom prst="ellipse">
+            <a:avLst/>
+          </a:prstGeom>
+        </p:spPr>
+        <p:style>
+          <a:lnRef idx="2">
+            <a:schemeClr val="dk1"/>
+          </a:lnRef>
+          <a:fillRef idx="1">
+            <a:schemeClr val="lt1"/>
+          </a:fillRef>
+          <a:effectRef idx="0">
+            <a:schemeClr val="dk1"/>
+          </a:effectRef>
+          <a:fontRef idx="minor">
+            <a:schemeClr val="dk1"/>
+          </a:fontRef>
+        </p:style>
+        <p:txBody>
+          <a:bodyPr rtlCol="0" anchor="ctr"/>
+          <a:lstStyle/>
+          <a:p>
+            <a:pPr algn="ctr"/>
+            <a:endParaRPr kumimoji="1" lang="ja-JP" altLang="en-US"/>
+          </a:p>
+        </p:txBody>
+      </p:sp>
+      <p:sp>
+        <p:nvSpPr>
+          <p:cNvPr id="11" name="テキスト ボックス 10">
+            <a:extLst>
+              <a:ext uri="{FF2B5EF4-FFF2-40B4-BE49-F238E27FC236}">
+                <a16:creationId xmlns:a16="http://schemas.microsoft.com/office/drawing/2014/main" id="{D840962A-C08C-C07B-34EA-D11961DB22E0}"/>
+              </a:ext>
+            </a:extLst>
+          </p:cNvPr>
+          <p:cNvSpPr txBox="1"/>
+          <p:nvPr/>
+        </p:nvSpPr>
+        <p:spPr>
+          <a:xfrm>
+            <a:off x="1625520" y="1371963"/>
+            <a:ext cx="322118" cy="276999"/>
+          </a:xfrm>
+          <a:prstGeom prst="rect">
+            <a:avLst/>
+          </a:prstGeom>
+          <a:noFill/>
+        </p:spPr>
+        <p:txBody>
+          <a:bodyPr wrap="square" rtlCol="0">
+            <a:spAutoFit/>
+          </a:bodyPr>
+          <a:lstStyle/>
+          <a:p>
+            <a:r>
+              <a:rPr lang="en-US" altLang="ja-JP" sz="1200"/>
+              <a:t>...</a:t>
+            </a:r>
+            <a:endParaRPr kumimoji="1" lang="ja-JP" altLang="en-US" sz="1200"/>
+          </a:p>
+        </p:txBody>
+      </p:sp>
+      <p:sp>
+        <p:nvSpPr>
+          <p:cNvPr id="22" name="テキスト ボックス 21">
+            <a:extLst>
+              <a:ext uri="{FF2B5EF4-FFF2-40B4-BE49-F238E27FC236}">
+                <a16:creationId xmlns:a16="http://schemas.microsoft.com/office/drawing/2014/main" id="{79FDEA2D-5118-A8E2-F4CF-320B3C6413CE}"/>
+              </a:ext>
+            </a:extLst>
+          </p:cNvPr>
+          <p:cNvSpPr txBox="1"/>
+          <p:nvPr/>
+        </p:nvSpPr>
+        <p:spPr>
+          <a:xfrm>
+            <a:off x="962307" y="1217958"/>
+            <a:ext cx="592282" cy="261610"/>
+          </a:xfrm>
+          <a:prstGeom prst="rect">
+            <a:avLst/>
+          </a:prstGeom>
+          <a:noFill/>
+        </p:spPr>
+        <p:txBody>
+          <a:bodyPr wrap="square" rtlCol="0">
+            <a:spAutoFit/>
+          </a:bodyPr>
+          <a:lstStyle/>
+          <a:p>
+            <a:pPr algn="ctr"/>
+            <a:r>
+              <a:rPr kumimoji="1" lang="en-US" altLang="ja-JP" sz="1100"/>
+              <a:t>[CLS]</a:t>
+            </a:r>
+            <a:endParaRPr kumimoji="1" lang="ja-JP" altLang="en-US" sz="1100"/>
+          </a:p>
+        </p:txBody>
+      </p:sp>
+      <p:sp>
+        <p:nvSpPr>
+          <p:cNvPr id="23" name="テキスト ボックス 22">
+            <a:extLst>
+              <a:ext uri="{FF2B5EF4-FFF2-40B4-BE49-F238E27FC236}">
+                <a16:creationId xmlns:a16="http://schemas.microsoft.com/office/drawing/2014/main" id="{588D43B6-7621-32DD-5B35-76F647D30673}"/>
+              </a:ext>
+            </a:extLst>
+          </p:cNvPr>
+          <p:cNvSpPr txBox="1"/>
+          <p:nvPr/>
+        </p:nvSpPr>
+        <p:spPr>
+          <a:xfrm>
+            <a:off x="962307" y="3127864"/>
+            <a:ext cx="592282" cy="261610"/>
+          </a:xfrm>
+          <a:prstGeom prst="rect">
+            <a:avLst/>
+          </a:prstGeom>
+          <a:noFill/>
+        </p:spPr>
+        <p:txBody>
+          <a:bodyPr wrap="square" rtlCol="0">
+            <a:spAutoFit/>
+          </a:bodyPr>
+          <a:lstStyle/>
+          <a:p>
+            <a:pPr algn="ctr"/>
+            <a:r>
+              <a:rPr lang="ja-JP" altLang="en-US" sz="1100"/>
+              <a:t>私</a:t>
+            </a:r>
+            <a:endParaRPr kumimoji="1" lang="ja-JP" altLang="en-US" sz="1100"/>
+          </a:p>
+        </p:txBody>
+      </p:sp>
+      <p:sp>
+        <p:nvSpPr>
+          <p:cNvPr id="24" name="テキスト ボックス 23">
+            <a:extLst>
+              <a:ext uri="{FF2B5EF4-FFF2-40B4-BE49-F238E27FC236}">
+                <a16:creationId xmlns:a16="http://schemas.microsoft.com/office/drawing/2014/main" id="{8DB204E1-648C-DFF8-32C9-14E4CB50473B}"/>
+              </a:ext>
+            </a:extLst>
+          </p:cNvPr>
+          <p:cNvSpPr txBox="1"/>
+          <p:nvPr/>
+        </p:nvSpPr>
+        <p:spPr>
+          <a:xfrm>
+            <a:off x="962307" y="4986471"/>
+            <a:ext cx="592282" cy="261610"/>
+          </a:xfrm>
+          <a:prstGeom prst="rect">
+            <a:avLst/>
+          </a:prstGeom>
+          <a:noFill/>
+        </p:spPr>
+        <p:txBody>
+          <a:bodyPr wrap="square" rtlCol="0">
+            <a:spAutoFit/>
+          </a:bodyPr>
+          <a:lstStyle/>
+          <a:p>
+            <a:pPr algn="ctr"/>
+            <a:r>
+              <a:rPr kumimoji="1" lang="ja-JP" altLang="en-US" sz="1100"/>
+              <a:t>は</a:t>
+            </a:r>
+          </a:p>
+        </p:txBody>
+      </p:sp>
+      <p:sp>
+        <p:nvSpPr>
+          <p:cNvPr id="25" name="左中かっこ 24">
+            <a:extLst>
+              <a:ext uri="{FF2B5EF4-FFF2-40B4-BE49-F238E27FC236}">
+                <a16:creationId xmlns:a16="http://schemas.microsoft.com/office/drawing/2014/main" id="{36145CD5-36C3-6FA5-B2A0-E2B42AB98439}"/>
+              </a:ext>
+            </a:extLst>
+          </p:cNvPr>
+          <p:cNvSpPr/>
+          <p:nvPr/>
+        </p:nvSpPr>
+        <p:spPr>
+          <a:xfrm flipH="1">
+            <a:off x="1942883" y="646739"/>
+            <a:ext cx="322118" cy="1397205"/>
+          </a:xfrm>
+          <a:prstGeom prst="leftBrace">
+            <a:avLst>
+              <a:gd name="adj1" fmla="val 8333"/>
+              <a:gd name="adj2" fmla="val 28467"/>
+            </a:avLst>
+          </a:prstGeom>
+        </p:spPr>
+        <p:style>
+          <a:lnRef idx="1">
+            <a:schemeClr val="dk1"/>
+          </a:lnRef>
+          <a:fillRef idx="0">
+            <a:schemeClr val="dk1"/>
+          </a:fillRef>
+          <a:effectRef idx="0">
+            <a:schemeClr val="dk1"/>
+          </a:effectRef>
+          <a:fontRef idx="minor">
+            <a:schemeClr val="tx1"/>
+          </a:fontRef>
+        </p:style>
+        <p:txBody>
+          <a:bodyPr rtlCol="0" anchor="ctr"/>
+          <a:lstStyle/>
+          <a:p>
+            <a:pPr algn="ctr"/>
+            <a:endParaRPr kumimoji="1" lang="ja-JP" altLang="en-US"/>
+          </a:p>
+        </p:txBody>
+      </p:sp>
+      <p:sp>
+        <p:nvSpPr>
+          <p:cNvPr id="26" name="テキスト ボックス 25">
+            <a:extLst>
+              <a:ext uri="{FF2B5EF4-FFF2-40B4-BE49-F238E27FC236}">
+                <a16:creationId xmlns:a16="http://schemas.microsoft.com/office/drawing/2014/main" id="{92FFBA6C-E54F-61E0-C580-8725A2002859}"/>
+              </a:ext>
+            </a:extLst>
+          </p:cNvPr>
+          <p:cNvSpPr txBox="1"/>
+          <p:nvPr/>
+        </p:nvSpPr>
+        <p:spPr>
+          <a:xfrm>
+            <a:off x="2179789" y="967950"/>
+            <a:ext cx="778878" cy="261610"/>
+          </a:xfrm>
+          <a:prstGeom prst="rect">
+            <a:avLst/>
+          </a:prstGeom>
+          <a:noFill/>
+        </p:spPr>
+        <p:txBody>
+          <a:bodyPr wrap="square" rtlCol="0">
+            <a:spAutoFit/>
+          </a:bodyPr>
+          <a:lstStyle/>
+          <a:p>
+            <a:r>
+              <a:rPr kumimoji="1" lang="en-US" altLang="ja-JP" sz="1100"/>
+              <a:t>768</a:t>
+            </a:r>
+            <a:r>
+              <a:rPr kumimoji="1" lang="ja-JP" altLang="en-US" sz="1100"/>
+              <a:t>個</a:t>
+            </a:r>
+          </a:p>
+        </p:txBody>
+      </p:sp>
+      <p:sp>
+        <p:nvSpPr>
+          <p:cNvPr id="27" name="円/楕円 26">
+            <a:extLst>
+              <a:ext uri="{FF2B5EF4-FFF2-40B4-BE49-F238E27FC236}">
+                <a16:creationId xmlns:a16="http://schemas.microsoft.com/office/drawing/2014/main" id="{2C842103-33DE-0DB5-5AAA-44015F7FC2B5}"/>
+              </a:ext>
+            </a:extLst>
+          </p:cNvPr>
+          <p:cNvSpPr/>
+          <p:nvPr/>
+        </p:nvSpPr>
+        <p:spPr>
+          <a:xfrm>
+            <a:off x="3200567" y="2569148"/>
+            <a:ext cx="226404" cy="226404"/>
+          </a:xfrm>
+          <a:prstGeom prst="ellipse">
+            <a:avLst/>
+          </a:prstGeom>
+        </p:spPr>
+        <p:style>
+          <a:lnRef idx="2">
+            <a:schemeClr val="dk1"/>
+          </a:lnRef>
+          <a:fillRef idx="1">
+            <a:schemeClr val="lt1"/>
+          </a:fillRef>
+          <a:effectRef idx="0">
+            <a:schemeClr val="dk1"/>
+          </a:effectRef>
+          <a:fontRef idx="minor">
+            <a:schemeClr val="dk1"/>
+          </a:fontRef>
+        </p:style>
+        <p:txBody>
+          <a:bodyPr rtlCol="0" anchor="ctr"/>
+          <a:lstStyle/>
+          <a:p>
+            <a:pPr algn="ctr"/>
+            <a:endParaRPr kumimoji="1" lang="ja-JP" altLang="en-US"/>
+          </a:p>
+        </p:txBody>
+      </p:sp>
+      <p:sp>
+        <p:nvSpPr>
+          <p:cNvPr id="28" name="円/楕円 27">
+            <a:extLst>
+              <a:ext uri="{FF2B5EF4-FFF2-40B4-BE49-F238E27FC236}">
+                <a16:creationId xmlns:a16="http://schemas.microsoft.com/office/drawing/2014/main" id="{7A190B88-8BFE-0DA6-29AD-DAF126B5966D}"/>
+              </a:ext>
+            </a:extLst>
+          </p:cNvPr>
+          <p:cNvSpPr/>
+          <p:nvPr/>
+        </p:nvSpPr>
+        <p:spPr>
+          <a:xfrm>
+            <a:off x="3205322" y="2901749"/>
+            <a:ext cx="226404" cy="226404"/>
+          </a:xfrm>
+          <a:prstGeom prst="ellipse">
+            <a:avLst/>
+          </a:prstGeom>
+        </p:spPr>
+        <p:style>
+          <a:lnRef idx="2">
+            <a:schemeClr val="dk1"/>
+          </a:lnRef>
+          <a:fillRef idx="1">
+            <a:schemeClr val="lt1"/>
+          </a:fillRef>
+          <a:effectRef idx="0">
+            <a:schemeClr val="dk1"/>
+          </a:effectRef>
+          <a:fontRef idx="minor">
+            <a:schemeClr val="dk1"/>
+          </a:fontRef>
+        </p:style>
+        <p:txBody>
+          <a:bodyPr rtlCol="0" anchor="ctr"/>
+          <a:lstStyle/>
+          <a:p>
+            <a:pPr algn="ctr"/>
+            <a:endParaRPr kumimoji="1" lang="ja-JP" altLang="en-US"/>
+          </a:p>
+        </p:txBody>
+      </p:sp>
+      <p:sp>
+        <p:nvSpPr>
+          <p:cNvPr id="29" name="円/楕円 28">
+            <a:extLst>
+              <a:ext uri="{FF2B5EF4-FFF2-40B4-BE49-F238E27FC236}">
+                <a16:creationId xmlns:a16="http://schemas.microsoft.com/office/drawing/2014/main" id="{26D4C522-FEF5-9B2D-DF20-CA5C3D60C5A4}"/>
+              </a:ext>
+            </a:extLst>
+          </p:cNvPr>
+          <p:cNvSpPr/>
+          <p:nvPr/>
+        </p:nvSpPr>
+        <p:spPr>
+          <a:xfrm>
+            <a:off x="3205322" y="3393755"/>
+            <a:ext cx="226404" cy="226404"/>
+          </a:xfrm>
+          <a:prstGeom prst="ellipse">
+            <a:avLst/>
+          </a:prstGeom>
+        </p:spPr>
+        <p:style>
+          <a:lnRef idx="2">
+            <a:schemeClr val="dk1"/>
+          </a:lnRef>
+          <a:fillRef idx="1">
+            <a:schemeClr val="lt1"/>
+          </a:fillRef>
+          <a:effectRef idx="0">
+            <a:schemeClr val="dk1"/>
+          </a:effectRef>
+          <a:fontRef idx="minor">
+            <a:schemeClr val="dk1"/>
+          </a:fontRef>
+        </p:style>
+        <p:txBody>
+          <a:bodyPr rtlCol="0" anchor="ctr"/>
+          <a:lstStyle/>
+          <a:p>
+            <a:pPr algn="ctr"/>
+            <a:endParaRPr kumimoji="1" lang="ja-JP" altLang="en-US"/>
+          </a:p>
+        </p:txBody>
+      </p:sp>
+      <p:sp>
+        <p:nvSpPr>
+          <p:cNvPr id="30" name="円/楕円 29">
+            <a:extLst>
+              <a:ext uri="{FF2B5EF4-FFF2-40B4-BE49-F238E27FC236}">
+                <a16:creationId xmlns:a16="http://schemas.microsoft.com/office/drawing/2014/main" id="{AD54BB76-B61E-448C-CCD0-EF0851B67BB7}"/>
+              </a:ext>
+            </a:extLst>
+          </p:cNvPr>
+          <p:cNvSpPr/>
+          <p:nvPr/>
+        </p:nvSpPr>
+        <p:spPr>
+          <a:xfrm>
+            <a:off x="3205322" y="3726356"/>
+            <a:ext cx="226404" cy="226404"/>
+          </a:xfrm>
+          <a:prstGeom prst="ellipse">
+            <a:avLst/>
+          </a:prstGeom>
+        </p:spPr>
+        <p:style>
+          <a:lnRef idx="2">
+            <a:schemeClr val="dk1"/>
+          </a:lnRef>
+          <a:fillRef idx="1">
+            <a:schemeClr val="lt1"/>
+          </a:fillRef>
+          <a:effectRef idx="0">
+            <a:schemeClr val="dk1"/>
+          </a:effectRef>
+          <a:fontRef idx="minor">
+            <a:schemeClr val="dk1"/>
+          </a:fontRef>
+        </p:style>
+        <p:txBody>
+          <a:bodyPr rtlCol="0" anchor="ctr"/>
+          <a:lstStyle/>
+          <a:p>
+            <a:pPr algn="ctr"/>
+            <a:endParaRPr kumimoji="1" lang="ja-JP" altLang="en-US"/>
+          </a:p>
+        </p:txBody>
+      </p:sp>
+      <p:sp>
+        <p:nvSpPr>
+          <p:cNvPr id="31" name="テキスト ボックス 30">
+            <a:extLst>
+              <a:ext uri="{FF2B5EF4-FFF2-40B4-BE49-F238E27FC236}">
+                <a16:creationId xmlns:a16="http://schemas.microsoft.com/office/drawing/2014/main" id="{C3B57966-2F22-401B-B2C1-53EB188B017D}"/>
+              </a:ext>
+            </a:extLst>
+          </p:cNvPr>
+          <p:cNvSpPr txBox="1"/>
+          <p:nvPr/>
+        </p:nvSpPr>
+        <p:spPr>
+          <a:xfrm>
+            <a:off x="3157465" y="3116756"/>
+            <a:ext cx="322118" cy="276999"/>
+          </a:xfrm>
+          <a:prstGeom prst="rect">
+            <a:avLst/>
+          </a:prstGeom>
+          <a:noFill/>
+        </p:spPr>
+        <p:txBody>
+          <a:bodyPr wrap="square" rtlCol="0">
+            <a:spAutoFit/>
+          </a:bodyPr>
+          <a:lstStyle/>
+          <a:p>
+            <a:r>
+              <a:rPr lang="en-US" altLang="ja-JP" sz="1200"/>
+              <a:t>...</a:t>
+            </a:r>
+            <a:endParaRPr kumimoji="1" lang="ja-JP" altLang="en-US" sz="1200"/>
+          </a:p>
+        </p:txBody>
+      </p:sp>
+      <p:cxnSp>
+        <p:nvCxnSpPr>
+          <p:cNvPr id="33" name="直線コネクタ 32">
+            <a:extLst>
+              <a:ext uri="{FF2B5EF4-FFF2-40B4-BE49-F238E27FC236}">
+                <a16:creationId xmlns:a16="http://schemas.microsoft.com/office/drawing/2014/main" id="{4373D963-DFDD-7EB9-90C3-659B25813474}"/>
+              </a:ext>
+            </a:extLst>
+          </p:cNvPr>
+          <p:cNvCxnSpPr>
+            <a:stCxn id="2" idx="6"/>
+            <a:endCxn id="27" idx="0"/>
+          </p:cNvCxnSpPr>
+          <p:nvPr/>
+        </p:nvCxnSpPr>
+        <p:spPr>
+          <a:xfrm>
+            <a:off x="1895026" y="850927"/>
+            <a:ext cx="1418743" cy="1718221"/>
+          </a:xfrm>
+          <a:prstGeom prst="line">
+            <a:avLst/>
+          </a:prstGeom>
+          <a:ln w="3175">
+            <a:solidFill>
+              <a:schemeClr val="tx1"/>
+            </a:solidFill>
+          </a:ln>
+        </p:spPr>
+        <p:style>
+          <a:lnRef idx="1">
+            <a:schemeClr val="dk1"/>
+          </a:lnRef>
+          <a:fillRef idx="0">
+            <a:schemeClr val="dk1"/>
+          </a:fillRef>
+          <a:effectRef idx="0">
+            <a:schemeClr val="dk1"/>
+          </a:effectRef>
+          <a:fontRef idx="minor">
+            <a:schemeClr val="tx1"/>
+          </a:fontRef>
+        </p:style>
+      </p:cxnSp>
+      <p:cxnSp>
+        <p:nvCxnSpPr>
+          <p:cNvPr id="34" name="直線コネクタ 33">
+            <a:extLst>
+              <a:ext uri="{FF2B5EF4-FFF2-40B4-BE49-F238E27FC236}">
+                <a16:creationId xmlns:a16="http://schemas.microsoft.com/office/drawing/2014/main" id="{F869A671-0A9F-6158-FAD0-15A9470DFB14}"/>
+              </a:ext>
+            </a:extLst>
+          </p:cNvPr>
+          <p:cNvCxnSpPr>
+            <a:cxnSpLocks/>
+            <a:stCxn id="3" idx="6"/>
+            <a:endCxn id="27" idx="1"/>
+          </p:cNvCxnSpPr>
+          <p:nvPr/>
+        </p:nvCxnSpPr>
+        <p:spPr>
+          <a:xfrm>
+            <a:off x="1899781" y="1270158"/>
+            <a:ext cx="1333942" cy="1332146"/>
+          </a:xfrm>
+          <a:prstGeom prst="line">
+            <a:avLst/>
+          </a:prstGeom>
+          <a:ln w="3175">
+            <a:solidFill>
+              <a:schemeClr val="tx1"/>
+            </a:solidFill>
+          </a:ln>
+        </p:spPr>
+        <p:style>
+          <a:lnRef idx="1">
+            <a:schemeClr val="dk1"/>
+          </a:lnRef>
+          <a:fillRef idx="0">
+            <a:schemeClr val="dk1"/>
+          </a:fillRef>
+          <a:effectRef idx="0">
+            <a:schemeClr val="dk1"/>
+          </a:effectRef>
+          <a:fontRef idx="minor">
+            <a:schemeClr val="tx1"/>
+          </a:fontRef>
+        </p:style>
+      </p:cxnSp>
+      <p:cxnSp>
+        <p:nvCxnSpPr>
+          <p:cNvPr id="41" name="直線コネクタ 40">
+            <a:extLst>
+              <a:ext uri="{FF2B5EF4-FFF2-40B4-BE49-F238E27FC236}">
+                <a16:creationId xmlns:a16="http://schemas.microsoft.com/office/drawing/2014/main" id="{D89B3938-F0A7-88A3-ED95-0BF82BE9228A}"/>
+              </a:ext>
+            </a:extLst>
+          </p:cNvPr>
+          <p:cNvCxnSpPr>
+            <a:cxnSpLocks/>
+            <a:stCxn id="6" idx="6"/>
+            <a:endCxn id="27" idx="1"/>
+          </p:cNvCxnSpPr>
+          <p:nvPr/>
+        </p:nvCxnSpPr>
+        <p:spPr>
+          <a:xfrm>
+            <a:off x="1899781" y="1863758"/>
+            <a:ext cx="1333942" cy="738546"/>
+          </a:xfrm>
+          <a:prstGeom prst="line">
+            <a:avLst/>
+          </a:prstGeom>
+          <a:ln w="3175">
+            <a:solidFill>
+              <a:schemeClr val="tx1"/>
+            </a:solidFill>
+          </a:ln>
+        </p:spPr>
+        <p:style>
+          <a:lnRef idx="1">
+            <a:schemeClr val="dk1"/>
+          </a:lnRef>
+          <a:fillRef idx="0">
+            <a:schemeClr val="dk1"/>
+          </a:fillRef>
+          <a:effectRef idx="0">
+            <a:schemeClr val="dk1"/>
+          </a:effectRef>
+          <a:fontRef idx="minor">
+            <a:schemeClr val="tx1"/>
+          </a:fontRef>
+        </p:style>
+      </p:cxnSp>
+      <p:cxnSp>
+        <p:nvCxnSpPr>
+          <p:cNvPr id="44" name="直線コネクタ 43">
+            <a:extLst>
+              <a:ext uri="{FF2B5EF4-FFF2-40B4-BE49-F238E27FC236}">
+                <a16:creationId xmlns:a16="http://schemas.microsoft.com/office/drawing/2014/main" id="{A64119CD-5430-A9CB-7E50-9CE00E100059}"/>
+              </a:ext>
+            </a:extLst>
+          </p:cNvPr>
+          <p:cNvCxnSpPr>
+            <a:cxnSpLocks/>
+            <a:endCxn id="27" idx="2"/>
+          </p:cNvCxnSpPr>
+          <p:nvPr/>
+        </p:nvCxnSpPr>
+        <p:spPr>
+          <a:xfrm>
+            <a:off x="1890271" y="2678069"/>
+            <a:ext cx="1310296" cy="4281"/>
+          </a:xfrm>
+          <a:prstGeom prst="line">
+            <a:avLst/>
+          </a:prstGeom>
+          <a:ln w="3175">
+            <a:solidFill>
+              <a:schemeClr val="tx1"/>
+            </a:solidFill>
+          </a:ln>
+        </p:spPr>
+        <p:style>
+          <a:lnRef idx="1">
+            <a:schemeClr val="dk1"/>
+          </a:lnRef>
+          <a:fillRef idx="0">
+            <a:schemeClr val="dk1"/>
+          </a:fillRef>
+          <a:effectRef idx="0">
+            <a:schemeClr val="dk1"/>
+          </a:effectRef>
+          <a:fontRef idx="minor">
+            <a:schemeClr val="tx1"/>
+          </a:fontRef>
+        </p:style>
+      </p:cxnSp>
+      <p:cxnSp>
+        <p:nvCxnSpPr>
+          <p:cNvPr id="47" name="直線コネクタ 46">
+            <a:extLst>
+              <a:ext uri="{FF2B5EF4-FFF2-40B4-BE49-F238E27FC236}">
+                <a16:creationId xmlns:a16="http://schemas.microsoft.com/office/drawing/2014/main" id="{D4EE401A-E35B-444F-A758-07B4A38C7850}"/>
+              </a:ext>
+            </a:extLst>
+          </p:cNvPr>
+          <p:cNvCxnSpPr>
+            <a:cxnSpLocks/>
+            <a:endCxn id="28" idx="2"/>
+          </p:cNvCxnSpPr>
+          <p:nvPr/>
+        </p:nvCxnSpPr>
+        <p:spPr>
+          <a:xfrm>
+            <a:off x="1890271" y="2678069"/>
+            <a:ext cx="1315051" cy="336882"/>
+          </a:xfrm>
+          <a:prstGeom prst="line">
+            <a:avLst/>
+          </a:prstGeom>
+          <a:ln w="3175">
+            <a:solidFill>
+              <a:schemeClr val="tx1"/>
+            </a:solidFill>
+          </a:ln>
+        </p:spPr>
+        <p:style>
+          <a:lnRef idx="1">
+            <a:schemeClr val="dk1"/>
+          </a:lnRef>
+          <a:fillRef idx="0">
+            <a:schemeClr val="dk1"/>
+          </a:fillRef>
+          <a:effectRef idx="0">
+            <a:schemeClr val="dk1"/>
+          </a:effectRef>
+          <a:fontRef idx="minor">
+            <a:schemeClr val="tx1"/>
+          </a:fontRef>
+        </p:style>
+      </p:cxnSp>
+      <p:cxnSp>
+        <p:nvCxnSpPr>
+          <p:cNvPr id="50" name="直線コネクタ 49">
+            <a:extLst>
+              <a:ext uri="{FF2B5EF4-FFF2-40B4-BE49-F238E27FC236}">
+                <a16:creationId xmlns:a16="http://schemas.microsoft.com/office/drawing/2014/main" id="{0DBC84A6-154C-6B8E-B679-8449F75B0142}"/>
+              </a:ext>
+            </a:extLst>
+          </p:cNvPr>
+          <p:cNvCxnSpPr>
+            <a:cxnSpLocks/>
+            <a:endCxn id="29" idx="2"/>
+          </p:cNvCxnSpPr>
+          <p:nvPr/>
+        </p:nvCxnSpPr>
+        <p:spPr>
+          <a:xfrm>
+            <a:off x="1890271" y="2678069"/>
+            <a:ext cx="1315051" cy="828888"/>
+          </a:xfrm>
+          <a:prstGeom prst="line">
+            <a:avLst/>
+          </a:prstGeom>
+          <a:ln w="3175">
+            <a:solidFill>
+              <a:schemeClr val="tx1"/>
+            </a:solidFill>
+          </a:ln>
+        </p:spPr>
+        <p:style>
+          <a:lnRef idx="1">
+            <a:schemeClr val="dk1"/>
+          </a:lnRef>
+          <a:fillRef idx="0">
+            <a:schemeClr val="dk1"/>
+          </a:fillRef>
+          <a:effectRef idx="0">
+            <a:schemeClr val="dk1"/>
+          </a:effectRef>
+          <a:fontRef idx="minor">
+            <a:schemeClr val="tx1"/>
+          </a:fontRef>
+        </p:style>
+      </p:cxnSp>
+      <p:cxnSp>
+        <p:nvCxnSpPr>
+          <p:cNvPr id="53" name="直線コネクタ 52">
+            <a:extLst>
+              <a:ext uri="{FF2B5EF4-FFF2-40B4-BE49-F238E27FC236}">
+                <a16:creationId xmlns:a16="http://schemas.microsoft.com/office/drawing/2014/main" id="{AD5E7E3F-0F7C-4D95-CB17-EC9E4F67EFC2}"/>
+              </a:ext>
+            </a:extLst>
+          </p:cNvPr>
+          <p:cNvCxnSpPr>
+            <a:cxnSpLocks/>
+            <a:endCxn id="30" idx="2"/>
+          </p:cNvCxnSpPr>
+          <p:nvPr/>
+        </p:nvCxnSpPr>
+        <p:spPr>
+          <a:xfrm>
+            <a:off x="1890271" y="2678069"/>
+            <a:ext cx="1315051" cy="1161489"/>
+          </a:xfrm>
+          <a:prstGeom prst="line">
+            <a:avLst/>
+          </a:prstGeom>
+          <a:ln w="3175">
+            <a:solidFill>
+              <a:schemeClr val="tx1"/>
+            </a:solidFill>
+          </a:ln>
+        </p:spPr>
+        <p:style>
+          <a:lnRef idx="1">
+            <a:schemeClr val="dk1"/>
+          </a:lnRef>
+          <a:fillRef idx="0">
+            <a:schemeClr val="dk1"/>
+          </a:fillRef>
+          <a:effectRef idx="0">
+            <a:schemeClr val="dk1"/>
+          </a:effectRef>
+          <a:fontRef idx="minor">
+            <a:schemeClr val="tx1"/>
+          </a:fontRef>
+        </p:style>
+      </p:cxnSp>
+      <p:cxnSp>
+        <p:nvCxnSpPr>
+          <p:cNvPr id="56" name="直線コネクタ 55">
+            <a:extLst>
+              <a:ext uri="{FF2B5EF4-FFF2-40B4-BE49-F238E27FC236}">
+                <a16:creationId xmlns:a16="http://schemas.microsoft.com/office/drawing/2014/main" id="{FC9EBE52-036B-8ABC-AFD1-57CA70FB4660}"/>
+              </a:ext>
+            </a:extLst>
+          </p:cNvPr>
+          <p:cNvCxnSpPr>
+            <a:cxnSpLocks/>
+            <a:stCxn id="2" idx="6"/>
+            <a:endCxn id="28" idx="1"/>
+          </p:cNvCxnSpPr>
+          <p:nvPr/>
+        </p:nvCxnSpPr>
+        <p:spPr>
+          <a:xfrm>
+            <a:off x="1895026" y="850927"/>
+            <a:ext cx="1343452" cy="2083978"/>
+          </a:xfrm>
+          <a:prstGeom prst="line">
+            <a:avLst/>
+          </a:prstGeom>
+          <a:ln w="3175">
+            <a:solidFill>
+              <a:schemeClr val="tx1"/>
+            </a:solidFill>
+          </a:ln>
+        </p:spPr>
+        <p:style>
+          <a:lnRef idx="1">
+            <a:schemeClr val="dk1"/>
+          </a:lnRef>
+          <a:fillRef idx="0">
+            <a:schemeClr val="dk1"/>
+          </a:fillRef>
+          <a:effectRef idx="0">
+            <a:schemeClr val="dk1"/>
+          </a:effectRef>
+          <a:fontRef idx="minor">
+            <a:schemeClr val="tx1"/>
+          </a:fontRef>
+        </p:style>
+      </p:cxnSp>
+      <p:cxnSp>
+        <p:nvCxnSpPr>
+          <p:cNvPr id="59" name="直線コネクタ 58">
+            <a:extLst>
+              <a:ext uri="{FF2B5EF4-FFF2-40B4-BE49-F238E27FC236}">
+                <a16:creationId xmlns:a16="http://schemas.microsoft.com/office/drawing/2014/main" id="{D201DA46-C018-7827-8EFD-45B7EC95CFFB}"/>
+              </a:ext>
+            </a:extLst>
+          </p:cNvPr>
+          <p:cNvCxnSpPr>
+            <a:cxnSpLocks/>
+            <a:stCxn id="3" idx="6"/>
+            <a:endCxn id="28" idx="1"/>
+          </p:cNvCxnSpPr>
+          <p:nvPr/>
+        </p:nvCxnSpPr>
+        <p:spPr>
+          <a:xfrm>
+            <a:off x="1899781" y="1270158"/>
+            <a:ext cx="1338697" cy="1664747"/>
+          </a:xfrm>
+          <a:prstGeom prst="line">
+            <a:avLst/>
+          </a:prstGeom>
+          <a:ln w="3175">
+            <a:solidFill>
+              <a:schemeClr val="tx1"/>
+            </a:solidFill>
+          </a:ln>
+        </p:spPr>
+        <p:style>
+          <a:lnRef idx="1">
+            <a:schemeClr val="dk1"/>
+          </a:lnRef>
+          <a:fillRef idx="0">
+            <a:schemeClr val="dk1"/>
+          </a:fillRef>
+          <a:effectRef idx="0">
+            <a:schemeClr val="dk1"/>
+          </a:effectRef>
+          <a:fontRef idx="minor">
+            <a:schemeClr val="tx1"/>
+          </a:fontRef>
+        </p:style>
+      </p:cxnSp>
+      <p:sp>
+        <p:nvSpPr>
+          <p:cNvPr id="64" name="円/楕円 63">
+            <a:extLst>
+              <a:ext uri="{FF2B5EF4-FFF2-40B4-BE49-F238E27FC236}">
+                <a16:creationId xmlns:a16="http://schemas.microsoft.com/office/drawing/2014/main" id="{76DC4F49-EB16-A357-55AB-C006AF67B961}"/>
+              </a:ext>
+            </a:extLst>
+          </p:cNvPr>
+          <p:cNvSpPr/>
+          <p:nvPr/>
+        </p:nvSpPr>
+        <p:spPr>
+          <a:xfrm>
+            <a:off x="1668622" y="2573879"/>
+            <a:ext cx="226404" cy="226404"/>
+          </a:xfrm>
+          <a:prstGeom prst="ellipse">
+            <a:avLst/>
+          </a:prstGeom>
+        </p:spPr>
+        <p:style>
+          <a:lnRef idx="2">
+            <a:schemeClr val="dk1"/>
+          </a:lnRef>
+          <a:fillRef idx="1">
+            <a:schemeClr val="lt1"/>
+          </a:fillRef>
+          <a:effectRef idx="0">
+            <a:schemeClr val="dk1"/>
+          </a:effectRef>
+          <a:fontRef idx="minor">
+            <a:schemeClr val="dk1"/>
+          </a:fontRef>
+        </p:style>
+        <p:txBody>
+          <a:bodyPr rtlCol="0" anchor="ctr"/>
+          <a:lstStyle/>
+          <a:p>
+            <a:pPr algn="ctr"/>
+            <a:endParaRPr kumimoji="1" lang="ja-JP" altLang="en-US"/>
+          </a:p>
+        </p:txBody>
+      </p:sp>
+      <p:sp>
+        <p:nvSpPr>
+          <p:cNvPr id="65" name="円/楕円 64">
+            <a:extLst>
+              <a:ext uri="{FF2B5EF4-FFF2-40B4-BE49-F238E27FC236}">
+                <a16:creationId xmlns:a16="http://schemas.microsoft.com/office/drawing/2014/main" id="{0AB3A8BB-2B36-0E00-F2C8-FC989DC31357}"/>
+              </a:ext>
+            </a:extLst>
+          </p:cNvPr>
+          <p:cNvSpPr/>
+          <p:nvPr/>
+        </p:nvSpPr>
+        <p:spPr>
+          <a:xfrm>
+            <a:off x="1673377" y="2993110"/>
+            <a:ext cx="226404" cy="226404"/>
+          </a:xfrm>
+          <a:prstGeom prst="ellipse">
+            <a:avLst/>
+          </a:prstGeom>
+        </p:spPr>
+        <p:style>
+          <a:lnRef idx="2">
+            <a:schemeClr val="dk1"/>
+          </a:lnRef>
+          <a:fillRef idx="1">
+            <a:schemeClr val="lt1"/>
+          </a:fillRef>
+          <a:effectRef idx="0">
+            <a:schemeClr val="dk1"/>
+          </a:effectRef>
+          <a:fontRef idx="minor">
+            <a:schemeClr val="dk1"/>
+          </a:fontRef>
+        </p:style>
+        <p:txBody>
+          <a:bodyPr rtlCol="0" anchor="ctr"/>
+          <a:lstStyle/>
+          <a:p>
+            <a:pPr algn="ctr"/>
+            <a:endParaRPr kumimoji="1" lang="ja-JP" altLang="en-US"/>
+          </a:p>
+        </p:txBody>
+      </p:sp>
+      <p:sp>
+        <p:nvSpPr>
+          <p:cNvPr id="66" name="円/楕円 65">
+            <a:extLst>
+              <a:ext uri="{FF2B5EF4-FFF2-40B4-BE49-F238E27FC236}">
+                <a16:creationId xmlns:a16="http://schemas.microsoft.com/office/drawing/2014/main" id="{DC01E46E-62DF-E987-424B-66BD058BC1D7}"/>
+              </a:ext>
+            </a:extLst>
+          </p:cNvPr>
+          <p:cNvSpPr/>
+          <p:nvPr/>
+        </p:nvSpPr>
+        <p:spPr>
+          <a:xfrm>
+            <a:off x="1673377" y="3586710"/>
+            <a:ext cx="226404" cy="226404"/>
+          </a:xfrm>
+          <a:prstGeom prst="ellipse">
+            <a:avLst/>
+          </a:prstGeom>
+        </p:spPr>
+        <p:style>
+          <a:lnRef idx="2">
+            <a:schemeClr val="dk1"/>
+          </a:lnRef>
+          <a:fillRef idx="1">
+            <a:schemeClr val="lt1"/>
+          </a:fillRef>
+          <a:effectRef idx="0">
+            <a:schemeClr val="dk1"/>
+          </a:effectRef>
+          <a:fontRef idx="minor">
+            <a:schemeClr val="dk1"/>
+          </a:fontRef>
+        </p:style>
+        <p:txBody>
+          <a:bodyPr rtlCol="0" anchor="ctr"/>
+          <a:lstStyle/>
+          <a:p>
+            <a:pPr algn="ctr"/>
+            <a:endParaRPr kumimoji="1" lang="ja-JP" altLang="en-US"/>
+          </a:p>
+        </p:txBody>
+      </p:sp>
+      <p:sp>
+        <p:nvSpPr>
+          <p:cNvPr id="67" name="テキスト ボックス 66">
+            <a:extLst>
+              <a:ext uri="{FF2B5EF4-FFF2-40B4-BE49-F238E27FC236}">
+                <a16:creationId xmlns:a16="http://schemas.microsoft.com/office/drawing/2014/main" id="{AA145A27-1BD5-7738-348A-332E154171C4}"/>
+              </a:ext>
+            </a:extLst>
+          </p:cNvPr>
+          <p:cNvSpPr txBox="1"/>
+          <p:nvPr/>
+        </p:nvSpPr>
+        <p:spPr>
+          <a:xfrm>
+            <a:off x="1625520" y="3208117"/>
+            <a:ext cx="322118" cy="276999"/>
+          </a:xfrm>
+          <a:prstGeom prst="rect">
+            <a:avLst/>
+          </a:prstGeom>
+          <a:noFill/>
+        </p:spPr>
+        <p:txBody>
+          <a:bodyPr wrap="square" rtlCol="0">
+            <a:spAutoFit/>
+          </a:bodyPr>
+          <a:lstStyle/>
+          <a:p>
+            <a:r>
+              <a:rPr lang="en-US" altLang="ja-JP" sz="1200"/>
+              <a:t>...</a:t>
+            </a:r>
+            <a:endParaRPr kumimoji="1" lang="ja-JP" altLang="en-US" sz="1200"/>
+          </a:p>
+        </p:txBody>
+      </p:sp>
+      <p:cxnSp>
+        <p:nvCxnSpPr>
+          <p:cNvPr id="68" name="直線コネクタ 67">
+            <a:extLst>
+              <a:ext uri="{FF2B5EF4-FFF2-40B4-BE49-F238E27FC236}">
+                <a16:creationId xmlns:a16="http://schemas.microsoft.com/office/drawing/2014/main" id="{A5FFC674-3C43-5B7B-263A-19C5CAA8423B}"/>
+              </a:ext>
+            </a:extLst>
+          </p:cNvPr>
+          <p:cNvCxnSpPr>
+            <a:cxnSpLocks/>
+            <a:stCxn id="6" idx="6"/>
+            <a:endCxn id="28" idx="1"/>
+          </p:cNvCxnSpPr>
+          <p:nvPr/>
+        </p:nvCxnSpPr>
+        <p:spPr>
+          <a:xfrm>
+            <a:off x="1899781" y="1863758"/>
+            <a:ext cx="1338697" cy="1071147"/>
+          </a:xfrm>
+          <a:prstGeom prst="line">
+            <a:avLst/>
+          </a:prstGeom>
+          <a:ln w="3175">
+            <a:solidFill>
+              <a:schemeClr val="tx1"/>
+            </a:solidFill>
+          </a:ln>
+        </p:spPr>
+        <p:style>
+          <a:lnRef idx="1">
+            <a:schemeClr val="dk1"/>
+          </a:lnRef>
+          <a:fillRef idx="0">
+            <a:schemeClr val="dk1"/>
+          </a:fillRef>
+          <a:effectRef idx="0">
+            <a:schemeClr val="dk1"/>
+          </a:effectRef>
+          <a:fontRef idx="minor">
+            <a:schemeClr val="tx1"/>
+          </a:fontRef>
+        </p:style>
+      </p:cxnSp>
+      <p:cxnSp>
+        <p:nvCxnSpPr>
+          <p:cNvPr id="71" name="直線コネクタ 70">
+            <a:extLst>
+              <a:ext uri="{FF2B5EF4-FFF2-40B4-BE49-F238E27FC236}">
+                <a16:creationId xmlns:a16="http://schemas.microsoft.com/office/drawing/2014/main" id="{698E0007-4B06-0627-A96C-15EEF8E746E0}"/>
+              </a:ext>
+            </a:extLst>
+          </p:cNvPr>
+          <p:cNvCxnSpPr>
+            <a:cxnSpLocks/>
+            <a:stCxn id="2" idx="5"/>
+            <a:endCxn id="29" idx="2"/>
+          </p:cNvCxnSpPr>
+          <p:nvPr/>
+        </p:nvCxnSpPr>
+        <p:spPr>
+          <a:xfrm>
+            <a:off x="1861870" y="930973"/>
+            <a:ext cx="1343452" cy="2575984"/>
+          </a:xfrm>
+          <a:prstGeom prst="line">
+            <a:avLst/>
+          </a:prstGeom>
+          <a:ln w="3175">
+            <a:solidFill>
+              <a:schemeClr val="tx1"/>
+            </a:solidFill>
+          </a:ln>
+        </p:spPr>
+        <p:style>
+          <a:lnRef idx="1">
+            <a:schemeClr val="dk1"/>
+          </a:lnRef>
+          <a:fillRef idx="0">
+            <a:schemeClr val="dk1"/>
+          </a:fillRef>
+          <a:effectRef idx="0">
+            <a:schemeClr val="dk1"/>
+          </a:effectRef>
+          <a:fontRef idx="minor">
+            <a:schemeClr val="tx1"/>
+          </a:fontRef>
+        </p:style>
+      </p:cxnSp>
+      <p:cxnSp>
+        <p:nvCxnSpPr>
+          <p:cNvPr id="74" name="直線コネクタ 73">
+            <a:extLst>
+              <a:ext uri="{FF2B5EF4-FFF2-40B4-BE49-F238E27FC236}">
+                <a16:creationId xmlns:a16="http://schemas.microsoft.com/office/drawing/2014/main" id="{550A829B-5214-E6F8-E0A9-D385FCD8E0B7}"/>
+              </a:ext>
+            </a:extLst>
+          </p:cNvPr>
+          <p:cNvCxnSpPr>
+            <a:cxnSpLocks/>
+            <a:stCxn id="3" idx="6"/>
+            <a:endCxn id="30" idx="2"/>
+          </p:cNvCxnSpPr>
+          <p:nvPr/>
+        </p:nvCxnSpPr>
+        <p:spPr>
+          <a:xfrm>
+            <a:off x="1899781" y="1270158"/>
+            <a:ext cx="1305541" cy="2569400"/>
+          </a:xfrm>
+          <a:prstGeom prst="line">
+            <a:avLst/>
+          </a:prstGeom>
+          <a:ln w="3175">
+            <a:solidFill>
+              <a:schemeClr val="tx1"/>
+            </a:solidFill>
+          </a:ln>
+        </p:spPr>
+        <p:style>
+          <a:lnRef idx="1">
+            <a:schemeClr val="dk1"/>
+          </a:lnRef>
+          <a:fillRef idx="0">
+            <a:schemeClr val="dk1"/>
+          </a:fillRef>
+          <a:effectRef idx="0">
+            <a:schemeClr val="dk1"/>
+          </a:effectRef>
+          <a:fontRef idx="minor">
+            <a:schemeClr val="tx1"/>
+          </a:fontRef>
+        </p:style>
+      </p:cxnSp>
+      <p:sp>
+        <p:nvSpPr>
+          <p:cNvPr id="77" name="円/楕円 76">
+            <a:extLst>
+              <a:ext uri="{FF2B5EF4-FFF2-40B4-BE49-F238E27FC236}">
+                <a16:creationId xmlns:a16="http://schemas.microsoft.com/office/drawing/2014/main" id="{8AE3F424-60E0-231D-BCF6-286861C48CEE}"/>
+              </a:ext>
+            </a:extLst>
+          </p:cNvPr>
+          <p:cNvSpPr/>
+          <p:nvPr/>
+        </p:nvSpPr>
+        <p:spPr>
+          <a:xfrm>
+            <a:off x="1671482" y="4341157"/>
+            <a:ext cx="226404" cy="226404"/>
+          </a:xfrm>
+          <a:prstGeom prst="ellipse">
+            <a:avLst/>
+          </a:prstGeom>
+        </p:spPr>
+        <p:style>
+          <a:lnRef idx="2">
+            <a:schemeClr val="dk1"/>
+          </a:lnRef>
+          <a:fillRef idx="1">
+            <a:schemeClr val="lt1"/>
+          </a:fillRef>
+          <a:effectRef idx="0">
+            <a:schemeClr val="dk1"/>
+          </a:effectRef>
+          <a:fontRef idx="minor">
+            <a:schemeClr val="dk1"/>
+          </a:fontRef>
+        </p:style>
+        <p:txBody>
+          <a:bodyPr rtlCol="0" anchor="ctr"/>
+          <a:lstStyle/>
+          <a:p>
+            <a:pPr algn="ctr"/>
+            <a:endParaRPr kumimoji="1" lang="ja-JP" altLang="en-US"/>
+          </a:p>
+        </p:txBody>
+      </p:sp>
+      <p:sp>
+        <p:nvSpPr>
+          <p:cNvPr id="78" name="円/楕円 77">
+            <a:extLst>
+              <a:ext uri="{FF2B5EF4-FFF2-40B4-BE49-F238E27FC236}">
+                <a16:creationId xmlns:a16="http://schemas.microsoft.com/office/drawing/2014/main" id="{F0780A08-0539-FA31-53AD-898AE209E720}"/>
+              </a:ext>
+            </a:extLst>
+          </p:cNvPr>
+          <p:cNvSpPr/>
+          <p:nvPr/>
+        </p:nvSpPr>
+        <p:spPr>
+          <a:xfrm>
+            <a:off x="1676237" y="4760388"/>
+            <a:ext cx="226404" cy="226404"/>
+          </a:xfrm>
+          <a:prstGeom prst="ellipse">
+            <a:avLst/>
+          </a:prstGeom>
+        </p:spPr>
+        <p:style>
+          <a:lnRef idx="2">
+            <a:schemeClr val="dk1"/>
+          </a:lnRef>
+          <a:fillRef idx="1">
+            <a:schemeClr val="lt1"/>
+          </a:fillRef>
+          <a:effectRef idx="0">
+            <a:schemeClr val="dk1"/>
+          </a:effectRef>
+          <a:fontRef idx="minor">
+            <a:schemeClr val="dk1"/>
+          </a:fontRef>
+        </p:style>
+        <p:txBody>
+          <a:bodyPr rtlCol="0" anchor="ctr"/>
+          <a:lstStyle/>
+          <a:p>
+            <a:pPr algn="ctr"/>
+            <a:endParaRPr kumimoji="1" lang="ja-JP" altLang="en-US"/>
+          </a:p>
+        </p:txBody>
+      </p:sp>
+      <p:sp>
+        <p:nvSpPr>
+          <p:cNvPr id="79" name="円/楕円 78">
+            <a:extLst>
+              <a:ext uri="{FF2B5EF4-FFF2-40B4-BE49-F238E27FC236}">
+                <a16:creationId xmlns:a16="http://schemas.microsoft.com/office/drawing/2014/main" id="{520BAFB8-D724-07F8-7325-B15305555E50}"/>
+              </a:ext>
+            </a:extLst>
+          </p:cNvPr>
+          <p:cNvSpPr/>
+          <p:nvPr/>
+        </p:nvSpPr>
+        <p:spPr>
+          <a:xfrm>
+            <a:off x="1676237" y="5353988"/>
+            <a:ext cx="226404" cy="226404"/>
+          </a:xfrm>
+          <a:prstGeom prst="ellipse">
+            <a:avLst/>
+          </a:prstGeom>
+        </p:spPr>
+        <p:style>
+          <a:lnRef idx="2">
+            <a:schemeClr val="dk1"/>
+          </a:lnRef>
+          <a:fillRef idx="1">
+            <a:schemeClr val="lt1"/>
+          </a:fillRef>
+          <a:effectRef idx="0">
+            <a:schemeClr val="dk1"/>
+          </a:effectRef>
+          <a:fontRef idx="minor">
+            <a:schemeClr val="dk1"/>
+          </a:fontRef>
+        </p:style>
+        <p:txBody>
+          <a:bodyPr rtlCol="0" anchor="ctr"/>
+          <a:lstStyle/>
+          <a:p>
+            <a:pPr algn="ctr"/>
+            <a:endParaRPr kumimoji="1" lang="ja-JP" altLang="en-US"/>
+          </a:p>
+        </p:txBody>
+      </p:sp>
+      <p:sp>
+        <p:nvSpPr>
+          <p:cNvPr id="80" name="テキスト ボックス 79">
+            <a:extLst>
+              <a:ext uri="{FF2B5EF4-FFF2-40B4-BE49-F238E27FC236}">
+                <a16:creationId xmlns:a16="http://schemas.microsoft.com/office/drawing/2014/main" id="{A1A854EA-2479-C1A9-1F2D-4F29123C3E73}"/>
+              </a:ext>
+            </a:extLst>
+          </p:cNvPr>
+          <p:cNvSpPr txBox="1"/>
+          <p:nvPr/>
+        </p:nvSpPr>
+        <p:spPr>
+          <a:xfrm>
+            <a:off x="1628380" y="4975395"/>
+            <a:ext cx="322118" cy="276999"/>
+          </a:xfrm>
+          <a:prstGeom prst="rect">
+            <a:avLst/>
+          </a:prstGeom>
+          <a:noFill/>
+        </p:spPr>
+        <p:txBody>
+          <a:bodyPr wrap="square" rtlCol="0">
+            <a:spAutoFit/>
+          </a:bodyPr>
+          <a:lstStyle/>
+          <a:p>
+            <a:r>
+              <a:rPr lang="en-US" altLang="ja-JP" sz="1200"/>
+              <a:t>...</a:t>
+            </a:r>
+            <a:endParaRPr kumimoji="1" lang="ja-JP" altLang="en-US" sz="1200"/>
+          </a:p>
+        </p:txBody>
+      </p:sp>
+      <p:cxnSp>
+        <p:nvCxnSpPr>
+          <p:cNvPr id="81" name="直線コネクタ 80">
+            <a:extLst>
+              <a:ext uri="{FF2B5EF4-FFF2-40B4-BE49-F238E27FC236}">
+                <a16:creationId xmlns:a16="http://schemas.microsoft.com/office/drawing/2014/main" id="{CF8963F2-453C-DD26-C006-2AAA8C3FC6D5}"/>
+              </a:ext>
+            </a:extLst>
+          </p:cNvPr>
+          <p:cNvCxnSpPr>
+            <a:cxnSpLocks/>
+            <a:stCxn id="65" idx="6"/>
+            <a:endCxn id="30" idx="2"/>
+          </p:cNvCxnSpPr>
+          <p:nvPr/>
+        </p:nvCxnSpPr>
+        <p:spPr>
+          <a:xfrm>
+            <a:off x="1899781" y="3106312"/>
+            <a:ext cx="1305541" cy="733246"/>
+          </a:xfrm>
+          <a:prstGeom prst="line">
+            <a:avLst/>
+          </a:prstGeom>
+          <a:ln w="3175">
+            <a:solidFill>
+              <a:schemeClr val="tx1"/>
+            </a:solidFill>
+          </a:ln>
+        </p:spPr>
+        <p:style>
+          <a:lnRef idx="1">
+            <a:schemeClr val="dk1"/>
+          </a:lnRef>
+          <a:fillRef idx="0">
+            <a:schemeClr val="dk1"/>
+          </a:fillRef>
+          <a:effectRef idx="0">
+            <a:schemeClr val="dk1"/>
+          </a:effectRef>
+          <a:fontRef idx="minor">
+            <a:schemeClr val="tx1"/>
+          </a:fontRef>
+        </p:style>
+      </p:cxnSp>
+      <p:cxnSp>
+        <p:nvCxnSpPr>
+          <p:cNvPr id="84" name="直線コネクタ 83">
+            <a:extLst>
+              <a:ext uri="{FF2B5EF4-FFF2-40B4-BE49-F238E27FC236}">
+                <a16:creationId xmlns:a16="http://schemas.microsoft.com/office/drawing/2014/main" id="{4F0C8114-7D0C-6B6C-6366-5A84DC4CED22}"/>
+              </a:ext>
+            </a:extLst>
+          </p:cNvPr>
+          <p:cNvCxnSpPr>
+            <a:cxnSpLocks/>
+            <a:stCxn id="66" idx="6"/>
+            <a:endCxn id="30" idx="2"/>
+          </p:cNvCxnSpPr>
+          <p:nvPr/>
+        </p:nvCxnSpPr>
+        <p:spPr>
+          <a:xfrm>
+            <a:off x="1899781" y="3699912"/>
+            <a:ext cx="1305541" cy="139646"/>
+          </a:xfrm>
+          <a:prstGeom prst="line">
+            <a:avLst/>
+          </a:prstGeom>
+          <a:ln w="3175">
+            <a:solidFill>
+              <a:schemeClr val="tx1"/>
+            </a:solidFill>
+          </a:ln>
+        </p:spPr>
+        <p:style>
+          <a:lnRef idx="1">
+            <a:schemeClr val="dk1"/>
+          </a:lnRef>
+          <a:fillRef idx="0">
+            <a:schemeClr val="dk1"/>
+          </a:fillRef>
+          <a:effectRef idx="0">
+            <a:schemeClr val="dk1"/>
+          </a:effectRef>
+          <a:fontRef idx="minor">
+            <a:schemeClr val="tx1"/>
+          </a:fontRef>
+        </p:style>
+      </p:cxnSp>
+      <p:cxnSp>
+        <p:nvCxnSpPr>
+          <p:cNvPr id="87" name="直線コネクタ 86">
+            <a:extLst>
+              <a:ext uri="{FF2B5EF4-FFF2-40B4-BE49-F238E27FC236}">
+                <a16:creationId xmlns:a16="http://schemas.microsoft.com/office/drawing/2014/main" id="{03DD266E-C23E-6192-2D9F-CB916A0682EA}"/>
+              </a:ext>
+            </a:extLst>
+          </p:cNvPr>
+          <p:cNvCxnSpPr>
+            <a:cxnSpLocks/>
+            <a:stCxn id="77" idx="6"/>
+            <a:endCxn id="28" idx="2"/>
+          </p:cNvCxnSpPr>
+          <p:nvPr/>
+        </p:nvCxnSpPr>
+        <p:spPr>
+          <a:xfrm flipV="1">
+            <a:off x="1897886" y="3014951"/>
+            <a:ext cx="1307436" cy="1439408"/>
+          </a:xfrm>
+          <a:prstGeom prst="line">
+            <a:avLst/>
+          </a:prstGeom>
+          <a:ln w="3175">
+            <a:solidFill>
+              <a:schemeClr val="tx1"/>
+            </a:solidFill>
+          </a:ln>
+        </p:spPr>
+        <p:style>
+          <a:lnRef idx="1">
+            <a:schemeClr val="dk1"/>
+          </a:lnRef>
+          <a:fillRef idx="0">
+            <a:schemeClr val="dk1"/>
+          </a:fillRef>
+          <a:effectRef idx="0">
+            <a:schemeClr val="dk1"/>
+          </a:effectRef>
+          <a:fontRef idx="minor">
+            <a:schemeClr val="tx1"/>
+          </a:fontRef>
+        </p:style>
+      </p:cxnSp>
+      <p:cxnSp>
+        <p:nvCxnSpPr>
+          <p:cNvPr id="90" name="直線コネクタ 89">
+            <a:extLst>
+              <a:ext uri="{FF2B5EF4-FFF2-40B4-BE49-F238E27FC236}">
+                <a16:creationId xmlns:a16="http://schemas.microsoft.com/office/drawing/2014/main" id="{BFE0A83E-FAE7-E2C6-8D92-559542C25C80}"/>
+              </a:ext>
+            </a:extLst>
+          </p:cNvPr>
+          <p:cNvCxnSpPr>
+            <a:cxnSpLocks/>
+            <a:stCxn id="78" idx="6"/>
+            <a:endCxn id="30" idx="2"/>
+          </p:cNvCxnSpPr>
+          <p:nvPr/>
+        </p:nvCxnSpPr>
+        <p:spPr>
+          <a:xfrm flipV="1">
+            <a:off x="1902641" y="3839558"/>
+            <a:ext cx="1302681" cy="1034032"/>
+          </a:xfrm>
+          <a:prstGeom prst="line">
+            <a:avLst/>
+          </a:prstGeom>
+          <a:ln w="3175">
+            <a:solidFill>
+              <a:schemeClr val="tx1"/>
+            </a:solidFill>
+          </a:ln>
+        </p:spPr>
+        <p:style>
+          <a:lnRef idx="1">
+            <a:schemeClr val="dk1"/>
+          </a:lnRef>
+          <a:fillRef idx="0">
+            <a:schemeClr val="dk1"/>
+          </a:fillRef>
+          <a:effectRef idx="0">
+            <a:schemeClr val="dk1"/>
+          </a:effectRef>
+          <a:fontRef idx="minor">
+            <a:schemeClr val="tx1"/>
+          </a:fontRef>
+        </p:style>
+      </p:cxnSp>
+      <p:cxnSp>
+        <p:nvCxnSpPr>
+          <p:cNvPr id="93" name="直線コネクタ 92">
+            <a:extLst>
+              <a:ext uri="{FF2B5EF4-FFF2-40B4-BE49-F238E27FC236}">
+                <a16:creationId xmlns:a16="http://schemas.microsoft.com/office/drawing/2014/main" id="{9B64DF5B-3731-C57B-AB02-D6A7F05156CA}"/>
+              </a:ext>
+            </a:extLst>
+          </p:cNvPr>
+          <p:cNvCxnSpPr>
+            <a:cxnSpLocks/>
+            <a:stCxn id="79" idx="6"/>
+            <a:endCxn id="29" idx="2"/>
+          </p:cNvCxnSpPr>
+          <p:nvPr/>
+        </p:nvCxnSpPr>
+        <p:spPr>
+          <a:xfrm flipV="1">
+            <a:off x="1902641" y="3506957"/>
+            <a:ext cx="1302681" cy="1960233"/>
+          </a:xfrm>
+          <a:prstGeom prst="line">
+            <a:avLst/>
+          </a:prstGeom>
+          <a:ln w="3175">
+            <a:solidFill>
+              <a:schemeClr val="tx1"/>
+            </a:solidFill>
+          </a:ln>
+        </p:spPr>
+        <p:style>
+          <a:lnRef idx="1">
+            <a:schemeClr val="dk1"/>
+          </a:lnRef>
+          <a:fillRef idx="0">
+            <a:schemeClr val="dk1"/>
+          </a:fillRef>
+          <a:effectRef idx="0">
+            <a:schemeClr val="dk1"/>
+          </a:effectRef>
+          <a:fontRef idx="minor">
+            <a:schemeClr val="tx1"/>
+          </a:fontRef>
+        </p:style>
+      </p:cxnSp>
+      <p:cxnSp>
+        <p:nvCxnSpPr>
+          <p:cNvPr id="97" name="直線コネクタ 96">
+            <a:extLst>
+              <a:ext uri="{FF2B5EF4-FFF2-40B4-BE49-F238E27FC236}">
+                <a16:creationId xmlns:a16="http://schemas.microsoft.com/office/drawing/2014/main" id="{BFFED94A-8507-3C58-5151-F66E726F17FD}"/>
+              </a:ext>
+            </a:extLst>
+          </p:cNvPr>
+          <p:cNvCxnSpPr/>
+          <p:nvPr/>
+        </p:nvCxnSpPr>
+        <p:spPr>
+          <a:xfrm>
+            <a:off x="625642" y="2314380"/>
+            <a:ext cx="7247823" cy="0"/>
+          </a:xfrm>
+          <a:prstGeom prst="line">
+            <a:avLst/>
+          </a:prstGeom>
+        </p:spPr>
+        <p:style>
+          <a:lnRef idx="1">
+            <a:schemeClr val="dk1"/>
+          </a:lnRef>
+          <a:fillRef idx="0">
+            <a:schemeClr val="dk1"/>
+          </a:fillRef>
+          <a:effectRef idx="0">
+            <a:schemeClr val="dk1"/>
+          </a:effectRef>
+          <a:fontRef idx="minor">
+            <a:schemeClr val="tx1"/>
+          </a:fontRef>
+        </p:style>
+      </p:cxnSp>
+      <p:cxnSp>
+        <p:nvCxnSpPr>
+          <p:cNvPr id="98" name="直線コネクタ 97">
+            <a:extLst>
+              <a:ext uri="{FF2B5EF4-FFF2-40B4-BE49-F238E27FC236}">
+                <a16:creationId xmlns:a16="http://schemas.microsoft.com/office/drawing/2014/main" id="{4B57FC6A-38D8-E9E2-D700-7C1C2120F005}"/>
+              </a:ext>
+            </a:extLst>
+          </p:cNvPr>
+          <p:cNvCxnSpPr/>
+          <p:nvPr/>
+        </p:nvCxnSpPr>
+        <p:spPr>
+          <a:xfrm>
+            <a:off x="625642" y="4141576"/>
+            <a:ext cx="7247823" cy="0"/>
+          </a:xfrm>
+          <a:prstGeom prst="line">
+            <a:avLst/>
+          </a:prstGeom>
+        </p:spPr>
+        <p:style>
+          <a:lnRef idx="1">
+            <a:schemeClr val="dk1"/>
+          </a:lnRef>
+          <a:fillRef idx="0">
+            <a:schemeClr val="dk1"/>
+          </a:fillRef>
+          <a:effectRef idx="0">
+            <a:schemeClr val="dk1"/>
+          </a:effectRef>
+          <a:fontRef idx="minor">
+            <a:schemeClr val="tx1"/>
+          </a:fontRef>
+        </p:style>
+      </p:cxnSp>
+      <p:sp>
+        <p:nvSpPr>
+          <p:cNvPr id="99" name="左中かっこ 98">
+            <a:extLst>
+              <a:ext uri="{FF2B5EF4-FFF2-40B4-BE49-F238E27FC236}">
+                <a16:creationId xmlns:a16="http://schemas.microsoft.com/office/drawing/2014/main" id="{708E03D4-E889-04A4-13E3-FA468548A983}"/>
+              </a:ext>
+            </a:extLst>
+          </p:cNvPr>
+          <p:cNvSpPr/>
+          <p:nvPr/>
+        </p:nvSpPr>
+        <p:spPr>
+          <a:xfrm flipH="1">
+            <a:off x="3436301" y="2551668"/>
+            <a:ext cx="322118" cy="1439405"/>
+          </a:xfrm>
+          <a:prstGeom prst="leftBrace">
+            <a:avLst>
+              <a:gd name="adj1" fmla="val 8333"/>
+              <a:gd name="adj2" fmla="val 21755"/>
+            </a:avLst>
+          </a:prstGeom>
+        </p:spPr>
+        <p:style>
+          <a:lnRef idx="1">
+            <a:schemeClr val="dk1"/>
+          </a:lnRef>
+          <a:fillRef idx="0">
+            <a:schemeClr val="dk1"/>
+          </a:fillRef>
+          <a:effectRef idx="0">
+            <a:schemeClr val="dk1"/>
+          </a:effectRef>
+          <a:fontRef idx="minor">
+            <a:schemeClr val="tx1"/>
+          </a:fontRef>
+        </p:style>
+        <p:txBody>
+          <a:bodyPr rtlCol="0" anchor="ctr"/>
+          <a:lstStyle/>
+          <a:p>
+            <a:pPr algn="ctr"/>
+            <a:endParaRPr kumimoji="1" lang="ja-JP" altLang="en-US"/>
+          </a:p>
+        </p:txBody>
+      </p:sp>
+      <p:sp>
+        <p:nvSpPr>
+          <p:cNvPr id="100" name="テキスト ボックス 99">
+            <a:extLst>
+              <a:ext uri="{FF2B5EF4-FFF2-40B4-BE49-F238E27FC236}">
+                <a16:creationId xmlns:a16="http://schemas.microsoft.com/office/drawing/2014/main" id="{64282E61-A906-07EE-5F81-75A4EB12C5D2}"/>
+              </a:ext>
+            </a:extLst>
+          </p:cNvPr>
+          <p:cNvSpPr txBox="1"/>
+          <p:nvPr/>
+        </p:nvSpPr>
+        <p:spPr>
+          <a:xfrm>
+            <a:off x="3708376" y="2802542"/>
+            <a:ext cx="594117" cy="430887"/>
+          </a:xfrm>
+          <a:prstGeom prst="rect">
+            <a:avLst/>
+          </a:prstGeom>
+          <a:noFill/>
+        </p:spPr>
+        <p:txBody>
+          <a:bodyPr wrap="square" rtlCol="0">
+            <a:spAutoFit/>
+          </a:bodyPr>
+          <a:lstStyle/>
+          <a:p>
+            <a:r>
+              <a:rPr kumimoji="1" lang="en-US" altLang="ja-JP" sz="1100"/>
+              <a:t>768</a:t>
+            </a:r>
+            <a:r>
+              <a:rPr kumimoji="1" lang="ja-JP" altLang="en-US" sz="1100"/>
+              <a:t>個以上</a:t>
+            </a:r>
+          </a:p>
+        </p:txBody>
+      </p:sp>
+      <p:sp>
+        <p:nvSpPr>
+          <p:cNvPr id="101" name="角丸四角形 100">
+            <a:extLst>
+              <a:ext uri="{FF2B5EF4-FFF2-40B4-BE49-F238E27FC236}">
+                <a16:creationId xmlns:a16="http://schemas.microsoft.com/office/drawing/2014/main" id="{7E161A59-B121-7D4A-24F8-CAAD825CF7D1}"/>
+              </a:ext>
+            </a:extLst>
+          </p:cNvPr>
+          <p:cNvSpPr/>
+          <p:nvPr/>
+        </p:nvSpPr>
+        <p:spPr>
+          <a:xfrm>
+            <a:off x="2926080" y="2362508"/>
+            <a:ext cx="1659933" cy="1730943"/>
+          </a:xfrm>
+          <a:prstGeom prst="roundRect">
+            <a:avLst/>
+          </a:prstGeom>
+          <a:noFill/>
+        </p:spPr>
+        <p:style>
+          <a:lnRef idx="2">
+            <a:schemeClr val="dk1"/>
+          </a:lnRef>
+          <a:fillRef idx="1">
+            <a:schemeClr val="lt1"/>
+          </a:fillRef>
+          <a:effectRef idx="0">
+            <a:schemeClr val="dk1"/>
+          </a:effectRef>
+          <a:fontRef idx="minor">
+            <a:schemeClr val="dk1"/>
+          </a:fontRef>
+        </p:style>
+        <p:txBody>
+          <a:bodyPr rtlCol="0" anchor="ctr"/>
+          <a:lstStyle/>
+          <a:p>
+            <a:pPr algn="ctr"/>
+            <a:endParaRPr kumimoji="1" lang="ja-JP" altLang="en-US"/>
+          </a:p>
+        </p:txBody>
+      </p:sp>
+      <p:sp>
+        <p:nvSpPr>
+          <p:cNvPr id="102" name="テキスト ボックス 101">
+            <a:extLst>
+              <a:ext uri="{FF2B5EF4-FFF2-40B4-BE49-F238E27FC236}">
+                <a16:creationId xmlns:a16="http://schemas.microsoft.com/office/drawing/2014/main" id="{EAF6FAF8-B4E0-5F13-1406-BC83131F7CE0}"/>
+              </a:ext>
+            </a:extLst>
+          </p:cNvPr>
+          <p:cNvSpPr txBox="1"/>
+          <p:nvPr/>
+        </p:nvSpPr>
+        <p:spPr>
+          <a:xfrm>
+            <a:off x="3568000" y="2369373"/>
+            <a:ext cx="1101800" cy="430887"/>
+          </a:xfrm>
+          <a:prstGeom prst="rect">
+            <a:avLst/>
+          </a:prstGeom>
+          <a:noFill/>
+        </p:spPr>
+        <p:txBody>
+          <a:bodyPr wrap="square" rtlCol="0">
+            <a:spAutoFit/>
+          </a:bodyPr>
+          <a:lstStyle/>
+          <a:p>
+            <a:r>
+              <a:rPr kumimoji="1" lang="en-US" altLang="ja-JP" sz="1100"/>
+              <a:t>Transformer Encoder</a:t>
+            </a:r>
+            <a:endParaRPr kumimoji="1" lang="ja-JP" altLang="en-US" sz="1100"/>
+          </a:p>
+        </p:txBody>
+      </p:sp>
+      <p:sp>
+        <p:nvSpPr>
+          <p:cNvPr id="104" name="角丸四角形 103">
+            <a:extLst>
+              <a:ext uri="{FF2B5EF4-FFF2-40B4-BE49-F238E27FC236}">
+                <a16:creationId xmlns:a16="http://schemas.microsoft.com/office/drawing/2014/main" id="{CA4DACB5-FD4E-4766-22F5-27691CC97D90}"/>
+              </a:ext>
+            </a:extLst>
+          </p:cNvPr>
+          <p:cNvSpPr/>
+          <p:nvPr/>
+        </p:nvSpPr>
+        <p:spPr>
+          <a:xfrm>
+            <a:off x="2925846" y="505649"/>
+            <a:ext cx="1659933" cy="1730943"/>
+          </a:xfrm>
+          <a:prstGeom prst="roundRect">
+            <a:avLst/>
+          </a:prstGeom>
+          <a:noFill/>
+        </p:spPr>
+        <p:style>
+          <a:lnRef idx="2">
+            <a:schemeClr val="dk1"/>
+          </a:lnRef>
+          <a:fillRef idx="1">
+            <a:schemeClr val="lt1"/>
+          </a:fillRef>
+          <a:effectRef idx="0">
+            <a:schemeClr val="dk1"/>
+          </a:effectRef>
+          <a:fontRef idx="minor">
+            <a:schemeClr val="dk1"/>
+          </a:fontRef>
+        </p:style>
+        <p:txBody>
+          <a:bodyPr rtlCol="0" anchor="ctr"/>
+          <a:lstStyle/>
+          <a:p>
+            <a:pPr algn="ctr"/>
+            <a:endParaRPr kumimoji="1" lang="ja-JP" altLang="en-US"/>
+          </a:p>
+        </p:txBody>
+      </p:sp>
+      <p:sp>
+        <p:nvSpPr>
+          <p:cNvPr id="105" name="テキスト ボックス 104">
+            <a:extLst>
+              <a:ext uri="{FF2B5EF4-FFF2-40B4-BE49-F238E27FC236}">
+                <a16:creationId xmlns:a16="http://schemas.microsoft.com/office/drawing/2014/main" id="{4B1DD4AA-843F-CBC5-AE1F-22169877931D}"/>
+              </a:ext>
+            </a:extLst>
+          </p:cNvPr>
+          <p:cNvSpPr txBox="1"/>
+          <p:nvPr/>
+        </p:nvSpPr>
+        <p:spPr>
+          <a:xfrm>
+            <a:off x="3567766" y="512514"/>
+            <a:ext cx="1101800" cy="430887"/>
+          </a:xfrm>
+          <a:prstGeom prst="rect">
+            <a:avLst/>
+          </a:prstGeom>
+          <a:noFill/>
+        </p:spPr>
+        <p:txBody>
+          <a:bodyPr wrap="square" rtlCol="0">
+            <a:spAutoFit/>
+          </a:bodyPr>
+          <a:lstStyle/>
+          <a:p>
+            <a:r>
+              <a:rPr kumimoji="1" lang="en-US" altLang="ja-JP" sz="1100"/>
+              <a:t>Transformer Encoder</a:t>
+            </a:r>
+            <a:endParaRPr kumimoji="1" lang="ja-JP" altLang="en-US" sz="1100"/>
+          </a:p>
+        </p:txBody>
+      </p:sp>
+      <p:sp>
+        <p:nvSpPr>
+          <p:cNvPr id="106" name="角丸四角形 105">
+            <a:extLst>
+              <a:ext uri="{FF2B5EF4-FFF2-40B4-BE49-F238E27FC236}">
+                <a16:creationId xmlns:a16="http://schemas.microsoft.com/office/drawing/2014/main" id="{A1FBC368-0B24-DA17-4B96-F4DBBE44478B}"/>
+              </a:ext>
+            </a:extLst>
+          </p:cNvPr>
+          <p:cNvSpPr/>
+          <p:nvPr/>
+        </p:nvSpPr>
+        <p:spPr>
+          <a:xfrm>
+            <a:off x="2925846" y="4205355"/>
+            <a:ext cx="1659933" cy="1730943"/>
+          </a:xfrm>
+          <a:prstGeom prst="roundRect">
+            <a:avLst/>
+          </a:prstGeom>
+          <a:noFill/>
+        </p:spPr>
+        <p:style>
+          <a:lnRef idx="2">
+            <a:schemeClr val="dk1"/>
+          </a:lnRef>
+          <a:fillRef idx="1">
+            <a:schemeClr val="lt1"/>
+          </a:fillRef>
+          <a:effectRef idx="0">
+            <a:schemeClr val="dk1"/>
+          </a:effectRef>
+          <a:fontRef idx="minor">
+            <a:schemeClr val="dk1"/>
+          </a:fontRef>
+        </p:style>
+        <p:txBody>
+          <a:bodyPr rtlCol="0" anchor="ctr"/>
+          <a:lstStyle/>
+          <a:p>
+            <a:pPr algn="ctr"/>
+            <a:endParaRPr kumimoji="1" lang="ja-JP" altLang="en-US"/>
+          </a:p>
+        </p:txBody>
+      </p:sp>
+      <p:sp>
+        <p:nvSpPr>
+          <p:cNvPr id="107" name="テキスト ボックス 106">
+            <a:extLst>
+              <a:ext uri="{FF2B5EF4-FFF2-40B4-BE49-F238E27FC236}">
+                <a16:creationId xmlns:a16="http://schemas.microsoft.com/office/drawing/2014/main" id="{AA9F1C63-F88E-ACFE-70E3-E316096CCE49}"/>
+              </a:ext>
+            </a:extLst>
+          </p:cNvPr>
+          <p:cNvSpPr txBox="1"/>
+          <p:nvPr/>
+        </p:nvSpPr>
+        <p:spPr>
+          <a:xfrm>
+            <a:off x="3567766" y="4212220"/>
+            <a:ext cx="1101800" cy="430887"/>
+          </a:xfrm>
+          <a:prstGeom prst="rect">
+            <a:avLst/>
+          </a:prstGeom>
+          <a:noFill/>
+        </p:spPr>
+        <p:txBody>
+          <a:bodyPr wrap="square" rtlCol="0">
+            <a:spAutoFit/>
+          </a:bodyPr>
+          <a:lstStyle/>
+          <a:p>
+            <a:r>
+              <a:rPr kumimoji="1" lang="en-US" altLang="ja-JP" sz="1100"/>
+              <a:t>Transformer Encoder</a:t>
+            </a:r>
+            <a:endParaRPr kumimoji="1" lang="ja-JP" altLang="en-US" sz="1100"/>
+          </a:p>
+        </p:txBody>
+      </p:sp>
+      <p:sp>
+        <p:nvSpPr>
+          <p:cNvPr id="108" name="円/楕円 107">
+            <a:extLst>
+              <a:ext uri="{FF2B5EF4-FFF2-40B4-BE49-F238E27FC236}">
+                <a16:creationId xmlns:a16="http://schemas.microsoft.com/office/drawing/2014/main" id="{09E784C3-77B3-BC95-CF7A-6E6546518706}"/>
+              </a:ext>
+            </a:extLst>
+          </p:cNvPr>
+          <p:cNvSpPr/>
+          <p:nvPr/>
+        </p:nvSpPr>
+        <p:spPr>
+          <a:xfrm>
+            <a:off x="3178407" y="690464"/>
+            <a:ext cx="226404" cy="226404"/>
+          </a:xfrm>
+          <a:prstGeom prst="ellipse">
+            <a:avLst/>
+          </a:prstGeom>
+        </p:spPr>
+        <p:style>
+          <a:lnRef idx="2">
+            <a:schemeClr val="dk1"/>
+          </a:lnRef>
+          <a:fillRef idx="1">
+            <a:schemeClr val="lt1"/>
+          </a:fillRef>
+          <a:effectRef idx="0">
+            <a:schemeClr val="dk1"/>
+          </a:effectRef>
+          <a:fontRef idx="minor">
+            <a:schemeClr val="dk1"/>
+          </a:fontRef>
+        </p:style>
+        <p:txBody>
+          <a:bodyPr rtlCol="0" anchor="ctr"/>
+          <a:lstStyle/>
+          <a:p>
+            <a:pPr algn="ctr"/>
+            <a:endParaRPr kumimoji="1" lang="ja-JP" altLang="en-US"/>
+          </a:p>
+        </p:txBody>
+      </p:sp>
+      <p:sp>
+        <p:nvSpPr>
+          <p:cNvPr id="109" name="円/楕円 108">
+            <a:extLst>
+              <a:ext uri="{FF2B5EF4-FFF2-40B4-BE49-F238E27FC236}">
+                <a16:creationId xmlns:a16="http://schemas.microsoft.com/office/drawing/2014/main" id="{A65185E6-6313-40C3-72F0-B6DB883D1CF2}"/>
+              </a:ext>
+            </a:extLst>
+          </p:cNvPr>
+          <p:cNvSpPr/>
+          <p:nvPr/>
+        </p:nvSpPr>
+        <p:spPr>
+          <a:xfrm>
+            <a:off x="3183162" y="1023065"/>
+            <a:ext cx="226404" cy="226404"/>
+          </a:xfrm>
+          <a:prstGeom prst="ellipse">
+            <a:avLst/>
+          </a:prstGeom>
+        </p:spPr>
+        <p:style>
+          <a:lnRef idx="2">
+            <a:schemeClr val="dk1"/>
+          </a:lnRef>
+          <a:fillRef idx="1">
+            <a:schemeClr val="lt1"/>
+          </a:fillRef>
+          <a:effectRef idx="0">
+            <a:schemeClr val="dk1"/>
+          </a:effectRef>
+          <a:fontRef idx="minor">
+            <a:schemeClr val="dk1"/>
+          </a:fontRef>
+        </p:style>
+        <p:txBody>
+          <a:bodyPr rtlCol="0" anchor="ctr"/>
+          <a:lstStyle/>
+          <a:p>
+            <a:pPr algn="ctr"/>
+            <a:endParaRPr kumimoji="1" lang="ja-JP" altLang="en-US"/>
+          </a:p>
+        </p:txBody>
+      </p:sp>
+      <p:sp>
+        <p:nvSpPr>
+          <p:cNvPr id="110" name="円/楕円 109">
+            <a:extLst>
+              <a:ext uri="{FF2B5EF4-FFF2-40B4-BE49-F238E27FC236}">
+                <a16:creationId xmlns:a16="http://schemas.microsoft.com/office/drawing/2014/main" id="{F23A5C33-2C70-1A27-9EFF-288578FA3D01}"/>
+              </a:ext>
+            </a:extLst>
+          </p:cNvPr>
+          <p:cNvSpPr/>
+          <p:nvPr/>
+        </p:nvSpPr>
+        <p:spPr>
+          <a:xfrm>
+            <a:off x="3183162" y="1515071"/>
+            <a:ext cx="226404" cy="226404"/>
+          </a:xfrm>
+          <a:prstGeom prst="ellipse">
+            <a:avLst/>
+          </a:prstGeom>
+        </p:spPr>
+        <p:style>
+          <a:lnRef idx="2">
+            <a:schemeClr val="dk1"/>
+          </a:lnRef>
+          <a:fillRef idx="1">
+            <a:schemeClr val="lt1"/>
+          </a:fillRef>
+          <a:effectRef idx="0">
+            <a:schemeClr val="dk1"/>
+          </a:effectRef>
+          <a:fontRef idx="minor">
+            <a:schemeClr val="dk1"/>
+          </a:fontRef>
+        </p:style>
+        <p:txBody>
+          <a:bodyPr rtlCol="0" anchor="ctr"/>
+          <a:lstStyle/>
+          <a:p>
+            <a:pPr algn="ctr"/>
+            <a:endParaRPr kumimoji="1" lang="ja-JP" altLang="en-US"/>
+          </a:p>
+        </p:txBody>
+      </p:sp>
+      <p:sp>
+        <p:nvSpPr>
+          <p:cNvPr id="111" name="円/楕円 110">
+            <a:extLst>
+              <a:ext uri="{FF2B5EF4-FFF2-40B4-BE49-F238E27FC236}">
+                <a16:creationId xmlns:a16="http://schemas.microsoft.com/office/drawing/2014/main" id="{BDA24520-07A6-88A8-E6BA-EF15D38B5D4E}"/>
+              </a:ext>
+            </a:extLst>
+          </p:cNvPr>
+          <p:cNvSpPr/>
+          <p:nvPr/>
+        </p:nvSpPr>
+        <p:spPr>
+          <a:xfrm>
+            <a:off x="3183162" y="1847672"/>
+            <a:ext cx="226404" cy="226404"/>
+          </a:xfrm>
+          <a:prstGeom prst="ellipse">
+            <a:avLst/>
+          </a:prstGeom>
+        </p:spPr>
+        <p:style>
+          <a:lnRef idx="2">
+            <a:schemeClr val="dk1"/>
+          </a:lnRef>
+          <a:fillRef idx="1">
+            <a:schemeClr val="lt1"/>
+          </a:fillRef>
+          <a:effectRef idx="0">
+            <a:schemeClr val="dk1"/>
+          </a:effectRef>
+          <a:fontRef idx="minor">
+            <a:schemeClr val="dk1"/>
+          </a:fontRef>
+        </p:style>
+        <p:txBody>
+          <a:bodyPr rtlCol="0" anchor="ctr"/>
+          <a:lstStyle/>
+          <a:p>
+            <a:pPr algn="ctr"/>
+            <a:endParaRPr kumimoji="1" lang="ja-JP" altLang="en-US"/>
+          </a:p>
+        </p:txBody>
+      </p:sp>
+      <p:sp>
+        <p:nvSpPr>
+          <p:cNvPr id="112" name="テキスト ボックス 111">
+            <a:extLst>
+              <a:ext uri="{FF2B5EF4-FFF2-40B4-BE49-F238E27FC236}">
+                <a16:creationId xmlns:a16="http://schemas.microsoft.com/office/drawing/2014/main" id="{D2F8A3A1-FEAA-A152-1669-7792658B26BD}"/>
+              </a:ext>
+            </a:extLst>
+          </p:cNvPr>
+          <p:cNvSpPr txBox="1"/>
+          <p:nvPr/>
+        </p:nvSpPr>
+        <p:spPr>
+          <a:xfrm>
+            <a:off x="3135305" y="1238072"/>
+            <a:ext cx="322118" cy="276999"/>
+          </a:xfrm>
+          <a:prstGeom prst="rect">
+            <a:avLst/>
+          </a:prstGeom>
+          <a:noFill/>
+        </p:spPr>
+        <p:txBody>
+          <a:bodyPr wrap="square" rtlCol="0">
+            <a:spAutoFit/>
+          </a:bodyPr>
+          <a:lstStyle/>
+          <a:p>
+            <a:r>
+              <a:rPr lang="en-US" altLang="ja-JP" sz="1200"/>
+              <a:t>...</a:t>
+            </a:r>
+            <a:endParaRPr kumimoji="1" lang="ja-JP" altLang="en-US" sz="1200"/>
+          </a:p>
+        </p:txBody>
+      </p:sp>
+      <p:cxnSp>
+        <p:nvCxnSpPr>
+          <p:cNvPr id="113" name="直線コネクタ 112">
+            <a:extLst>
+              <a:ext uri="{FF2B5EF4-FFF2-40B4-BE49-F238E27FC236}">
+                <a16:creationId xmlns:a16="http://schemas.microsoft.com/office/drawing/2014/main" id="{7EA69F32-C31E-B5CC-8E64-38B00483FF65}"/>
+              </a:ext>
+            </a:extLst>
+          </p:cNvPr>
+          <p:cNvCxnSpPr>
+            <a:cxnSpLocks/>
+            <a:stCxn id="64" idx="6"/>
+            <a:endCxn id="108" idx="2"/>
+          </p:cNvCxnSpPr>
+          <p:nvPr/>
+        </p:nvCxnSpPr>
+        <p:spPr>
+          <a:xfrm flipV="1">
+            <a:off x="1895026" y="803666"/>
+            <a:ext cx="1283381" cy="1883415"/>
+          </a:xfrm>
+          <a:prstGeom prst="line">
+            <a:avLst/>
+          </a:prstGeom>
+          <a:ln w="3175">
+            <a:solidFill>
+              <a:schemeClr val="tx1"/>
+            </a:solidFill>
+          </a:ln>
+        </p:spPr>
+        <p:style>
+          <a:lnRef idx="1">
+            <a:schemeClr val="dk1"/>
+          </a:lnRef>
+          <a:fillRef idx="0">
+            <a:schemeClr val="dk1"/>
+          </a:fillRef>
+          <a:effectRef idx="0">
+            <a:schemeClr val="dk1"/>
+          </a:effectRef>
+          <a:fontRef idx="minor">
+            <a:schemeClr val="tx1"/>
+          </a:fontRef>
+        </p:style>
+      </p:cxnSp>
+      <p:cxnSp>
+        <p:nvCxnSpPr>
+          <p:cNvPr id="116" name="直線コネクタ 115">
+            <a:extLst>
+              <a:ext uri="{FF2B5EF4-FFF2-40B4-BE49-F238E27FC236}">
+                <a16:creationId xmlns:a16="http://schemas.microsoft.com/office/drawing/2014/main" id="{83BF9DCB-B31C-307D-5F4F-69AADCED4892}"/>
+              </a:ext>
+            </a:extLst>
+          </p:cNvPr>
+          <p:cNvCxnSpPr>
+            <a:cxnSpLocks/>
+            <a:stCxn id="77" idx="5"/>
+            <a:endCxn id="109" idx="2"/>
+          </p:cNvCxnSpPr>
+          <p:nvPr/>
+        </p:nvCxnSpPr>
+        <p:spPr>
+          <a:xfrm flipV="1">
+            <a:off x="1864730" y="1136267"/>
+            <a:ext cx="1318432" cy="3398138"/>
+          </a:xfrm>
+          <a:prstGeom prst="line">
+            <a:avLst/>
+          </a:prstGeom>
+          <a:ln w="3175">
+            <a:solidFill>
+              <a:schemeClr val="tx1"/>
+            </a:solidFill>
+          </a:ln>
+        </p:spPr>
+        <p:style>
+          <a:lnRef idx="1">
+            <a:schemeClr val="dk1"/>
+          </a:lnRef>
+          <a:fillRef idx="0">
+            <a:schemeClr val="dk1"/>
+          </a:fillRef>
+          <a:effectRef idx="0">
+            <a:schemeClr val="dk1"/>
+          </a:effectRef>
+          <a:fontRef idx="minor">
+            <a:schemeClr val="tx1"/>
+          </a:fontRef>
+        </p:style>
+      </p:cxnSp>
+      <p:cxnSp>
+        <p:nvCxnSpPr>
+          <p:cNvPr id="119" name="直線コネクタ 118">
+            <a:extLst>
+              <a:ext uri="{FF2B5EF4-FFF2-40B4-BE49-F238E27FC236}">
+                <a16:creationId xmlns:a16="http://schemas.microsoft.com/office/drawing/2014/main" id="{3CF08487-EF89-21FA-5417-C57A6D888D2D}"/>
+              </a:ext>
+            </a:extLst>
+          </p:cNvPr>
+          <p:cNvCxnSpPr>
+            <a:cxnSpLocks/>
+            <a:stCxn id="6" idx="6"/>
+            <a:endCxn id="108" idx="2"/>
+          </p:cNvCxnSpPr>
+          <p:nvPr/>
+        </p:nvCxnSpPr>
+        <p:spPr>
+          <a:xfrm flipV="1">
+            <a:off x="1899781" y="803666"/>
+            <a:ext cx="1278626" cy="1060092"/>
+          </a:xfrm>
+          <a:prstGeom prst="line">
+            <a:avLst/>
+          </a:prstGeom>
+          <a:ln w="3175">
+            <a:solidFill>
+              <a:schemeClr val="tx1"/>
+            </a:solidFill>
+          </a:ln>
+        </p:spPr>
+        <p:style>
+          <a:lnRef idx="1">
+            <a:schemeClr val="dk1"/>
+          </a:lnRef>
+          <a:fillRef idx="0">
+            <a:schemeClr val="dk1"/>
+          </a:fillRef>
+          <a:effectRef idx="0">
+            <a:schemeClr val="dk1"/>
+          </a:effectRef>
+          <a:fontRef idx="minor">
+            <a:schemeClr val="tx1"/>
+          </a:fontRef>
+        </p:style>
+      </p:cxnSp>
+      <p:sp>
+        <p:nvSpPr>
+          <p:cNvPr id="122" name="円/楕円 121">
+            <a:extLst>
+              <a:ext uri="{FF2B5EF4-FFF2-40B4-BE49-F238E27FC236}">
+                <a16:creationId xmlns:a16="http://schemas.microsoft.com/office/drawing/2014/main" id="{5F813D2B-82A1-0120-1729-A4D599FD927A}"/>
+              </a:ext>
+            </a:extLst>
+          </p:cNvPr>
+          <p:cNvSpPr/>
+          <p:nvPr/>
+        </p:nvSpPr>
+        <p:spPr>
+          <a:xfrm>
+            <a:off x="6132328" y="736317"/>
+            <a:ext cx="226404" cy="226404"/>
+          </a:xfrm>
+          <a:prstGeom prst="ellipse">
+            <a:avLst/>
+          </a:prstGeom>
+        </p:spPr>
+        <p:style>
+          <a:lnRef idx="2">
+            <a:schemeClr val="dk1"/>
+          </a:lnRef>
+          <a:fillRef idx="1">
+            <a:schemeClr val="lt1"/>
+          </a:fillRef>
+          <a:effectRef idx="0">
+            <a:schemeClr val="dk1"/>
+          </a:effectRef>
+          <a:fontRef idx="minor">
+            <a:schemeClr val="dk1"/>
+          </a:fontRef>
+        </p:style>
+        <p:txBody>
+          <a:bodyPr rtlCol="0" anchor="ctr"/>
+          <a:lstStyle/>
+          <a:p>
+            <a:pPr algn="ctr"/>
+            <a:endParaRPr kumimoji="1" lang="ja-JP" altLang="en-US"/>
+          </a:p>
+        </p:txBody>
+      </p:sp>
+      <p:sp>
+        <p:nvSpPr>
+          <p:cNvPr id="123" name="円/楕円 122">
+            <a:extLst>
+              <a:ext uri="{FF2B5EF4-FFF2-40B4-BE49-F238E27FC236}">
+                <a16:creationId xmlns:a16="http://schemas.microsoft.com/office/drawing/2014/main" id="{9B277B00-A4B2-B7A0-A799-BCF76AF2E026}"/>
+              </a:ext>
+            </a:extLst>
+          </p:cNvPr>
+          <p:cNvSpPr/>
+          <p:nvPr/>
+        </p:nvSpPr>
+        <p:spPr>
+          <a:xfrm>
+            <a:off x="6137083" y="1155548"/>
+            <a:ext cx="226404" cy="226404"/>
+          </a:xfrm>
+          <a:prstGeom prst="ellipse">
+            <a:avLst/>
+          </a:prstGeom>
+        </p:spPr>
+        <p:style>
+          <a:lnRef idx="2">
+            <a:schemeClr val="dk1"/>
+          </a:lnRef>
+          <a:fillRef idx="1">
+            <a:schemeClr val="lt1"/>
+          </a:fillRef>
+          <a:effectRef idx="0">
+            <a:schemeClr val="dk1"/>
+          </a:effectRef>
+          <a:fontRef idx="minor">
+            <a:schemeClr val="dk1"/>
+          </a:fontRef>
+        </p:style>
+        <p:txBody>
+          <a:bodyPr rtlCol="0" anchor="ctr"/>
+          <a:lstStyle/>
+          <a:p>
+            <a:pPr algn="ctr"/>
+            <a:endParaRPr kumimoji="1" lang="ja-JP" altLang="en-US"/>
+          </a:p>
+        </p:txBody>
+      </p:sp>
+      <p:sp>
+        <p:nvSpPr>
+          <p:cNvPr id="124" name="円/楕円 123">
+            <a:extLst>
+              <a:ext uri="{FF2B5EF4-FFF2-40B4-BE49-F238E27FC236}">
+                <a16:creationId xmlns:a16="http://schemas.microsoft.com/office/drawing/2014/main" id="{E845AEE8-91F7-C7FC-A363-4A0E6E172ABF}"/>
+              </a:ext>
+            </a:extLst>
+          </p:cNvPr>
+          <p:cNvSpPr/>
+          <p:nvPr/>
+        </p:nvSpPr>
+        <p:spPr>
+          <a:xfrm>
+            <a:off x="6137083" y="1749148"/>
+            <a:ext cx="226404" cy="226404"/>
+          </a:xfrm>
+          <a:prstGeom prst="ellipse">
+            <a:avLst/>
+          </a:prstGeom>
+        </p:spPr>
+        <p:style>
+          <a:lnRef idx="2">
+            <a:schemeClr val="dk1"/>
+          </a:lnRef>
+          <a:fillRef idx="1">
+            <a:schemeClr val="lt1"/>
+          </a:fillRef>
+          <a:effectRef idx="0">
+            <a:schemeClr val="dk1"/>
+          </a:effectRef>
+          <a:fontRef idx="minor">
+            <a:schemeClr val="dk1"/>
+          </a:fontRef>
+        </p:style>
+        <p:txBody>
+          <a:bodyPr rtlCol="0" anchor="ctr"/>
+          <a:lstStyle/>
+          <a:p>
+            <a:pPr algn="ctr"/>
+            <a:endParaRPr kumimoji="1" lang="ja-JP" altLang="en-US"/>
+          </a:p>
+        </p:txBody>
+      </p:sp>
+      <p:sp>
+        <p:nvSpPr>
+          <p:cNvPr id="125" name="テキスト ボックス 124">
+            <a:extLst>
+              <a:ext uri="{FF2B5EF4-FFF2-40B4-BE49-F238E27FC236}">
+                <a16:creationId xmlns:a16="http://schemas.microsoft.com/office/drawing/2014/main" id="{58151706-9171-5429-F22B-82C04E38E61F}"/>
+              </a:ext>
+            </a:extLst>
+          </p:cNvPr>
+          <p:cNvSpPr txBox="1"/>
+          <p:nvPr/>
+        </p:nvSpPr>
+        <p:spPr>
+          <a:xfrm>
+            <a:off x="6089226" y="1370555"/>
+            <a:ext cx="322118" cy="276999"/>
+          </a:xfrm>
+          <a:prstGeom prst="rect">
+            <a:avLst/>
+          </a:prstGeom>
+          <a:noFill/>
+        </p:spPr>
+        <p:txBody>
+          <a:bodyPr wrap="square" rtlCol="0">
+            <a:spAutoFit/>
+          </a:bodyPr>
+          <a:lstStyle/>
+          <a:p>
+            <a:r>
+              <a:rPr lang="en-US" altLang="ja-JP" sz="1200"/>
+              <a:t>...</a:t>
+            </a:r>
+            <a:endParaRPr kumimoji="1" lang="ja-JP" altLang="en-US" sz="1200"/>
+          </a:p>
+        </p:txBody>
+      </p:sp>
+      <p:sp>
+        <p:nvSpPr>
+          <p:cNvPr id="126" name="左中かっこ 125">
+            <a:extLst>
+              <a:ext uri="{FF2B5EF4-FFF2-40B4-BE49-F238E27FC236}">
+                <a16:creationId xmlns:a16="http://schemas.microsoft.com/office/drawing/2014/main" id="{33CA8D48-DCD4-0BF4-1A7F-83E98A39D690}"/>
+              </a:ext>
+            </a:extLst>
+          </p:cNvPr>
+          <p:cNvSpPr/>
+          <p:nvPr/>
+        </p:nvSpPr>
+        <p:spPr>
+          <a:xfrm flipH="1">
+            <a:off x="6406589" y="645331"/>
+            <a:ext cx="322118" cy="1397205"/>
+          </a:xfrm>
+          <a:prstGeom prst="leftBrace">
+            <a:avLst>
+              <a:gd name="adj1" fmla="val 8333"/>
+              <a:gd name="adj2" fmla="val 21755"/>
+            </a:avLst>
+          </a:prstGeom>
+        </p:spPr>
+        <p:style>
+          <a:lnRef idx="1">
+            <a:schemeClr val="dk1"/>
+          </a:lnRef>
+          <a:fillRef idx="0">
+            <a:schemeClr val="dk1"/>
+          </a:fillRef>
+          <a:effectRef idx="0">
+            <a:schemeClr val="dk1"/>
+          </a:effectRef>
+          <a:fontRef idx="minor">
+            <a:schemeClr val="tx1"/>
+          </a:fontRef>
+        </p:style>
+        <p:txBody>
+          <a:bodyPr rtlCol="0" anchor="ctr"/>
+          <a:lstStyle/>
+          <a:p>
+            <a:pPr algn="ctr"/>
+            <a:endParaRPr kumimoji="1" lang="ja-JP" altLang="en-US"/>
+          </a:p>
+        </p:txBody>
+      </p:sp>
+      <p:sp>
+        <p:nvSpPr>
+          <p:cNvPr id="127" name="テキスト ボックス 126">
+            <a:extLst>
+              <a:ext uri="{FF2B5EF4-FFF2-40B4-BE49-F238E27FC236}">
+                <a16:creationId xmlns:a16="http://schemas.microsoft.com/office/drawing/2014/main" id="{A8A68DCE-FB0B-192A-78CC-6ACE4AF9FC04}"/>
+              </a:ext>
+            </a:extLst>
+          </p:cNvPr>
+          <p:cNvSpPr txBox="1"/>
+          <p:nvPr/>
+        </p:nvSpPr>
+        <p:spPr>
+          <a:xfrm>
+            <a:off x="6678664" y="896204"/>
+            <a:ext cx="778878" cy="261610"/>
+          </a:xfrm>
+          <a:prstGeom prst="rect">
+            <a:avLst/>
+          </a:prstGeom>
+          <a:noFill/>
+        </p:spPr>
+        <p:txBody>
+          <a:bodyPr wrap="square" rtlCol="0">
+            <a:spAutoFit/>
+          </a:bodyPr>
+          <a:lstStyle/>
+          <a:p>
+            <a:r>
+              <a:rPr kumimoji="1" lang="en-US" altLang="ja-JP" sz="1100"/>
+              <a:t>768</a:t>
+            </a:r>
+            <a:r>
+              <a:rPr kumimoji="1" lang="ja-JP" altLang="en-US" sz="1100"/>
+              <a:t>個</a:t>
+            </a:r>
+          </a:p>
+        </p:txBody>
+      </p:sp>
+      <p:sp>
+        <p:nvSpPr>
+          <p:cNvPr id="128" name="角丸四角形 127">
+            <a:extLst>
+              <a:ext uri="{FF2B5EF4-FFF2-40B4-BE49-F238E27FC236}">
+                <a16:creationId xmlns:a16="http://schemas.microsoft.com/office/drawing/2014/main" id="{4FAE9ECC-FEF9-2B20-4D5C-FCBD8BFC5C97}"/>
+              </a:ext>
+            </a:extLst>
+          </p:cNvPr>
+          <p:cNvSpPr/>
+          <p:nvPr/>
+        </p:nvSpPr>
+        <p:spPr>
+          <a:xfrm>
+            <a:off x="4943656" y="503809"/>
+            <a:ext cx="843611" cy="1730943"/>
+          </a:xfrm>
+          <a:prstGeom prst="roundRect">
+            <a:avLst/>
+          </a:prstGeom>
+          <a:noFill/>
+        </p:spPr>
+        <p:style>
+          <a:lnRef idx="2">
+            <a:schemeClr val="dk1"/>
+          </a:lnRef>
+          <a:fillRef idx="1">
+            <a:schemeClr val="lt1"/>
+          </a:fillRef>
+          <a:effectRef idx="0">
+            <a:schemeClr val="dk1"/>
+          </a:effectRef>
+          <a:fontRef idx="minor">
+            <a:schemeClr val="dk1"/>
+          </a:fontRef>
+        </p:style>
+        <p:txBody>
+          <a:bodyPr rtlCol="0" anchor="ctr"/>
+          <a:lstStyle/>
+          <a:p>
+            <a:pPr algn="ctr"/>
+            <a:endParaRPr kumimoji="1" lang="ja-JP" altLang="en-US"/>
+          </a:p>
+        </p:txBody>
+      </p:sp>
+      <p:sp>
+        <p:nvSpPr>
+          <p:cNvPr id="129" name="テキスト ボックス 128">
+            <a:extLst>
+              <a:ext uri="{FF2B5EF4-FFF2-40B4-BE49-F238E27FC236}">
+                <a16:creationId xmlns:a16="http://schemas.microsoft.com/office/drawing/2014/main" id="{AE585749-1EA2-41A9-35F1-18742A4D5175}"/>
+              </a:ext>
+            </a:extLst>
+          </p:cNvPr>
+          <p:cNvSpPr txBox="1"/>
+          <p:nvPr/>
+        </p:nvSpPr>
+        <p:spPr>
+          <a:xfrm>
+            <a:off x="4569410" y="1237857"/>
+            <a:ext cx="322118" cy="276999"/>
+          </a:xfrm>
+          <a:prstGeom prst="rect">
+            <a:avLst/>
+          </a:prstGeom>
+          <a:noFill/>
+        </p:spPr>
+        <p:txBody>
+          <a:bodyPr wrap="square" rtlCol="0">
+            <a:spAutoFit/>
+          </a:bodyPr>
+          <a:lstStyle/>
+          <a:p>
+            <a:r>
+              <a:rPr lang="en-US" altLang="ja-JP" sz="1200"/>
+              <a:t>...</a:t>
+            </a:r>
+            <a:endParaRPr kumimoji="1" lang="ja-JP" altLang="en-US" sz="1200"/>
+          </a:p>
+        </p:txBody>
+      </p:sp>
+      <p:sp>
+        <p:nvSpPr>
+          <p:cNvPr id="130" name="角丸四角形 129">
+            <a:extLst>
+              <a:ext uri="{FF2B5EF4-FFF2-40B4-BE49-F238E27FC236}">
+                <a16:creationId xmlns:a16="http://schemas.microsoft.com/office/drawing/2014/main" id="{E95F7362-6C52-09FB-4207-E5475EBFD500}"/>
+              </a:ext>
+            </a:extLst>
+          </p:cNvPr>
+          <p:cNvSpPr/>
+          <p:nvPr/>
+        </p:nvSpPr>
+        <p:spPr>
+          <a:xfrm>
+            <a:off x="4941875" y="2369373"/>
+            <a:ext cx="843611" cy="1730943"/>
+          </a:xfrm>
+          <a:prstGeom prst="roundRect">
+            <a:avLst/>
+          </a:prstGeom>
+          <a:noFill/>
+        </p:spPr>
+        <p:style>
+          <a:lnRef idx="2">
+            <a:schemeClr val="dk1"/>
+          </a:lnRef>
+          <a:fillRef idx="1">
+            <a:schemeClr val="lt1"/>
+          </a:fillRef>
+          <a:effectRef idx="0">
+            <a:schemeClr val="dk1"/>
+          </a:effectRef>
+          <a:fontRef idx="minor">
+            <a:schemeClr val="dk1"/>
+          </a:fontRef>
+        </p:style>
+        <p:txBody>
+          <a:bodyPr rtlCol="0" anchor="ctr"/>
+          <a:lstStyle/>
+          <a:p>
+            <a:pPr algn="ctr"/>
+            <a:endParaRPr kumimoji="1" lang="ja-JP" altLang="en-US"/>
+          </a:p>
+        </p:txBody>
+      </p:sp>
+      <p:sp>
+        <p:nvSpPr>
+          <p:cNvPr id="131" name="テキスト ボックス 130">
+            <a:extLst>
+              <a:ext uri="{FF2B5EF4-FFF2-40B4-BE49-F238E27FC236}">
+                <a16:creationId xmlns:a16="http://schemas.microsoft.com/office/drawing/2014/main" id="{4852AC51-8F27-4BAB-996E-217B331FD553}"/>
+              </a:ext>
+            </a:extLst>
+          </p:cNvPr>
+          <p:cNvSpPr txBox="1"/>
+          <p:nvPr/>
+        </p:nvSpPr>
+        <p:spPr>
+          <a:xfrm>
+            <a:off x="4567629" y="3103421"/>
+            <a:ext cx="322118" cy="276999"/>
+          </a:xfrm>
+          <a:prstGeom prst="rect">
+            <a:avLst/>
+          </a:prstGeom>
+          <a:noFill/>
+        </p:spPr>
+        <p:txBody>
+          <a:bodyPr wrap="square" rtlCol="0">
+            <a:spAutoFit/>
+          </a:bodyPr>
+          <a:lstStyle/>
+          <a:p>
+            <a:r>
+              <a:rPr lang="en-US" altLang="ja-JP" sz="1200"/>
+              <a:t>...</a:t>
+            </a:r>
+            <a:endParaRPr kumimoji="1" lang="ja-JP" altLang="en-US" sz="1200"/>
+          </a:p>
+        </p:txBody>
+      </p:sp>
+      <p:sp>
+        <p:nvSpPr>
+          <p:cNvPr id="132" name="角丸四角形 131">
+            <a:extLst>
+              <a:ext uri="{FF2B5EF4-FFF2-40B4-BE49-F238E27FC236}">
+                <a16:creationId xmlns:a16="http://schemas.microsoft.com/office/drawing/2014/main" id="{C5F7A594-7452-5F99-4867-69F1D02AB899}"/>
+              </a:ext>
+            </a:extLst>
+          </p:cNvPr>
+          <p:cNvSpPr/>
+          <p:nvPr/>
+        </p:nvSpPr>
+        <p:spPr>
+          <a:xfrm>
+            <a:off x="4941875" y="4205355"/>
+            <a:ext cx="843611" cy="1730943"/>
+          </a:xfrm>
+          <a:prstGeom prst="roundRect">
+            <a:avLst/>
+          </a:prstGeom>
+          <a:noFill/>
+        </p:spPr>
+        <p:style>
+          <a:lnRef idx="2">
+            <a:schemeClr val="dk1"/>
+          </a:lnRef>
+          <a:fillRef idx="1">
+            <a:schemeClr val="lt1"/>
+          </a:fillRef>
+          <a:effectRef idx="0">
+            <a:schemeClr val="dk1"/>
+          </a:effectRef>
+          <a:fontRef idx="minor">
+            <a:schemeClr val="dk1"/>
+          </a:fontRef>
+        </p:style>
+        <p:txBody>
+          <a:bodyPr rtlCol="0" anchor="ctr"/>
+          <a:lstStyle/>
+          <a:p>
+            <a:pPr algn="ctr"/>
+            <a:endParaRPr kumimoji="1" lang="ja-JP" altLang="en-US"/>
+          </a:p>
+        </p:txBody>
+      </p:sp>
+      <p:sp>
+        <p:nvSpPr>
+          <p:cNvPr id="133" name="テキスト ボックス 132">
+            <a:extLst>
+              <a:ext uri="{FF2B5EF4-FFF2-40B4-BE49-F238E27FC236}">
+                <a16:creationId xmlns:a16="http://schemas.microsoft.com/office/drawing/2014/main" id="{1355BB50-E7ED-7E00-8F50-059B00373E57}"/>
+              </a:ext>
+            </a:extLst>
+          </p:cNvPr>
+          <p:cNvSpPr txBox="1"/>
+          <p:nvPr/>
+        </p:nvSpPr>
+        <p:spPr>
+          <a:xfrm>
+            <a:off x="4567629" y="4939403"/>
+            <a:ext cx="322118" cy="276999"/>
+          </a:xfrm>
+          <a:prstGeom prst="rect">
+            <a:avLst/>
+          </a:prstGeom>
+          <a:noFill/>
+        </p:spPr>
+        <p:txBody>
+          <a:bodyPr wrap="square" rtlCol="0">
+            <a:spAutoFit/>
+          </a:bodyPr>
+          <a:lstStyle/>
+          <a:p>
+            <a:r>
+              <a:rPr lang="en-US" altLang="ja-JP" sz="1200"/>
+              <a:t>...</a:t>
+            </a:r>
+            <a:endParaRPr kumimoji="1" lang="ja-JP" altLang="en-US" sz="1200"/>
+          </a:p>
+        </p:txBody>
+      </p:sp>
+      <p:sp>
+        <p:nvSpPr>
+          <p:cNvPr id="134" name="円/楕円 133">
+            <a:extLst>
+              <a:ext uri="{FF2B5EF4-FFF2-40B4-BE49-F238E27FC236}">
+                <a16:creationId xmlns:a16="http://schemas.microsoft.com/office/drawing/2014/main" id="{B4CDBFE9-7CB5-75B0-250A-5D57A671E4C9}"/>
+              </a:ext>
+            </a:extLst>
+          </p:cNvPr>
+          <p:cNvSpPr/>
+          <p:nvPr/>
+        </p:nvSpPr>
+        <p:spPr>
+          <a:xfrm>
+            <a:off x="6175430" y="2646541"/>
+            <a:ext cx="226404" cy="226404"/>
+          </a:xfrm>
+          <a:prstGeom prst="ellipse">
+            <a:avLst/>
+          </a:prstGeom>
+        </p:spPr>
+        <p:style>
+          <a:lnRef idx="2">
+            <a:schemeClr val="dk1"/>
+          </a:lnRef>
+          <a:fillRef idx="1">
+            <a:schemeClr val="lt1"/>
+          </a:fillRef>
+          <a:effectRef idx="0">
+            <a:schemeClr val="dk1"/>
+          </a:effectRef>
+          <a:fontRef idx="minor">
+            <a:schemeClr val="dk1"/>
+          </a:fontRef>
+        </p:style>
+        <p:txBody>
+          <a:bodyPr rtlCol="0" anchor="ctr"/>
+          <a:lstStyle/>
+          <a:p>
+            <a:pPr algn="ctr"/>
+            <a:endParaRPr kumimoji="1" lang="ja-JP" altLang="en-US"/>
+          </a:p>
+        </p:txBody>
+      </p:sp>
+      <p:sp>
+        <p:nvSpPr>
+          <p:cNvPr id="135" name="円/楕円 134">
+            <a:extLst>
+              <a:ext uri="{FF2B5EF4-FFF2-40B4-BE49-F238E27FC236}">
+                <a16:creationId xmlns:a16="http://schemas.microsoft.com/office/drawing/2014/main" id="{4F3A9330-2615-5E77-F39B-74F15571D7AA}"/>
+              </a:ext>
+            </a:extLst>
+          </p:cNvPr>
+          <p:cNvSpPr/>
+          <p:nvPr/>
+        </p:nvSpPr>
+        <p:spPr>
+          <a:xfrm>
+            <a:off x="6180185" y="3065772"/>
+            <a:ext cx="226404" cy="226404"/>
+          </a:xfrm>
+          <a:prstGeom prst="ellipse">
+            <a:avLst/>
+          </a:prstGeom>
+        </p:spPr>
+        <p:style>
+          <a:lnRef idx="2">
+            <a:schemeClr val="dk1"/>
+          </a:lnRef>
+          <a:fillRef idx="1">
+            <a:schemeClr val="lt1"/>
+          </a:fillRef>
+          <a:effectRef idx="0">
+            <a:schemeClr val="dk1"/>
+          </a:effectRef>
+          <a:fontRef idx="minor">
+            <a:schemeClr val="dk1"/>
+          </a:fontRef>
+        </p:style>
+        <p:txBody>
+          <a:bodyPr rtlCol="0" anchor="ctr"/>
+          <a:lstStyle/>
+          <a:p>
+            <a:pPr algn="ctr"/>
+            <a:endParaRPr kumimoji="1" lang="ja-JP" altLang="en-US"/>
+          </a:p>
+        </p:txBody>
+      </p:sp>
+      <p:sp>
+        <p:nvSpPr>
+          <p:cNvPr id="136" name="円/楕円 135">
+            <a:extLst>
+              <a:ext uri="{FF2B5EF4-FFF2-40B4-BE49-F238E27FC236}">
+                <a16:creationId xmlns:a16="http://schemas.microsoft.com/office/drawing/2014/main" id="{A4878121-9DE7-FBF3-8D68-88FAB5D8012B}"/>
+              </a:ext>
+            </a:extLst>
+          </p:cNvPr>
+          <p:cNvSpPr/>
+          <p:nvPr/>
+        </p:nvSpPr>
+        <p:spPr>
+          <a:xfrm>
+            <a:off x="6180185" y="3659372"/>
+            <a:ext cx="226404" cy="226404"/>
+          </a:xfrm>
+          <a:prstGeom prst="ellipse">
+            <a:avLst/>
+          </a:prstGeom>
+        </p:spPr>
+        <p:style>
+          <a:lnRef idx="2">
+            <a:schemeClr val="dk1"/>
+          </a:lnRef>
+          <a:fillRef idx="1">
+            <a:schemeClr val="lt1"/>
+          </a:fillRef>
+          <a:effectRef idx="0">
+            <a:schemeClr val="dk1"/>
+          </a:effectRef>
+          <a:fontRef idx="minor">
+            <a:schemeClr val="dk1"/>
+          </a:fontRef>
+        </p:style>
+        <p:txBody>
+          <a:bodyPr rtlCol="0" anchor="ctr"/>
+          <a:lstStyle/>
+          <a:p>
+            <a:pPr algn="ctr"/>
+            <a:endParaRPr kumimoji="1" lang="ja-JP" altLang="en-US"/>
+          </a:p>
+        </p:txBody>
+      </p:sp>
+      <p:sp>
+        <p:nvSpPr>
+          <p:cNvPr id="137" name="テキスト ボックス 136">
+            <a:extLst>
+              <a:ext uri="{FF2B5EF4-FFF2-40B4-BE49-F238E27FC236}">
+                <a16:creationId xmlns:a16="http://schemas.microsoft.com/office/drawing/2014/main" id="{31211B79-7A5C-D2BB-1F97-004C14FBF406}"/>
+              </a:ext>
+            </a:extLst>
+          </p:cNvPr>
+          <p:cNvSpPr txBox="1"/>
+          <p:nvPr/>
+        </p:nvSpPr>
+        <p:spPr>
+          <a:xfrm>
+            <a:off x="6132328" y="3280779"/>
+            <a:ext cx="322118" cy="276999"/>
+          </a:xfrm>
+          <a:prstGeom prst="rect">
+            <a:avLst/>
+          </a:prstGeom>
+          <a:noFill/>
+        </p:spPr>
+        <p:txBody>
+          <a:bodyPr wrap="square" rtlCol="0">
+            <a:spAutoFit/>
+          </a:bodyPr>
+          <a:lstStyle/>
+          <a:p>
+            <a:r>
+              <a:rPr lang="en-US" altLang="ja-JP" sz="1200"/>
+              <a:t>...</a:t>
+            </a:r>
+            <a:endParaRPr kumimoji="1" lang="ja-JP" altLang="en-US" sz="1200"/>
+          </a:p>
+        </p:txBody>
+      </p:sp>
+      <p:sp>
+        <p:nvSpPr>
+          <p:cNvPr id="140" name="円/楕円 139">
+            <a:extLst>
+              <a:ext uri="{FF2B5EF4-FFF2-40B4-BE49-F238E27FC236}">
+                <a16:creationId xmlns:a16="http://schemas.microsoft.com/office/drawing/2014/main" id="{19D664C6-8B22-A088-3FC0-1DF28CF6CF5C}"/>
+              </a:ext>
+            </a:extLst>
+          </p:cNvPr>
+          <p:cNvSpPr/>
+          <p:nvPr/>
+        </p:nvSpPr>
+        <p:spPr>
+          <a:xfrm>
+            <a:off x="6170675" y="4490826"/>
+            <a:ext cx="226404" cy="226404"/>
+          </a:xfrm>
+          <a:prstGeom prst="ellipse">
+            <a:avLst/>
+          </a:prstGeom>
+        </p:spPr>
+        <p:style>
+          <a:lnRef idx="2">
+            <a:schemeClr val="dk1"/>
+          </a:lnRef>
+          <a:fillRef idx="1">
+            <a:schemeClr val="lt1"/>
+          </a:fillRef>
+          <a:effectRef idx="0">
+            <a:schemeClr val="dk1"/>
+          </a:effectRef>
+          <a:fontRef idx="minor">
+            <a:schemeClr val="dk1"/>
+          </a:fontRef>
+        </p:style>
+        <p:txBody>
+          <a:bodyPr rtlCol="0" anchor="ctr"/>
+          <a:lstStyle/>
+          <a:p>
+            <a:pPr algn="ctr"/>
+            <a:endParaRPr kumimoji="1" lang="ja-JP" altLang="en-US"/>
+          </a:p>
+        </p:txBody>
+      </p:sp>
+      <p:sp>
+        <p:nvSpPr>
+          <p:cNvPr id="141" name="円/楕円 140">
+            <a:extLst>
+              <a:ext uri="{FF2B5EF4-FFF2-40B4-BE49-F238E27FC236}">
+                <a16:creationId xmlns:a16="http://schemas.microsoft.com/office/drawing/2014/main" id="{6784E097-F19E-39CF-ECAC-7FEF662D7688}"/>
+              </a:ext>
+            </a:extLst>
+          </p:cNvPr>
+          <p:cNvSpPr/>
+          <p:nvPr/>
+        </p:nvSpPr>
+        <p:spPr>
+          <a:xfrm>
+            <a:off x="6175430" y="4910057"/>
+            <a:ext cx="226404" cy="226404"/>
+          </a:xfrm>
+          <a:prstGeom prst="ellipse">
+            <a:avLst/>
+          </a:prstGeom>
+        </p:spPr>
+        <p:style>
+          <a:lnRef idx="2">
+            <a:schemeClr val="dk1"/>
+          </a:lnRef>
+          <a:fillRef idx="1">
+            <a:schemeClr val="lt1"/>
+          </a:fillRef>
+          <a:effectRef idx="0">
+            <a:schemeClr val="dk1"/>
+          </a:effectRef>
+          <a:fontRef idx="minor">
+            <a:schemeClr val="dk1"/>
+          </a:fontRef>
+        </p:style>
+        <p:txBody>
+          <a:bodyPr rtlCol="0" anchor="ctr"/>
+          <a:lstStyle/>
+          <a:p>
+            <a:pPr algn="ctr"/>
+            <a:endParaRPr kumimoji="1" lang="ja-JP" altLang="en-US"/>
+          </a:p>
+        </p:txBody>
+      </p:sp>
+      <p:sp>
+        <p:nvSpPr>
+          <p:cNvPr id="142" name="円/楕円 141">
+            <a:extLst>
+              <a:ext uri="{FF2B5EF4-FFF2-40B4-BE49-F238E27FC236}">
+                <a16:creationId xmlns:a16="http://schemas.microsoft.com/office/drawing/2014/main" id="{FE692303-CEF6-EACC-DA02-7494F68D2E31}"/>
+              </a:ext>
+            </a:extLst>
+          </p:cNvPr>
+          <p:cNvSpPr/>
+          <p:nvPr/>
+        </p:nvSpPr>
+        <p:spPr>
+          <a:xfrm>
+            <a:off x="6175430" y="5503657"/>
+            <a:ext cx="226404" cy="226404"/>
+          </a:xfrm>
+          <a:prstGeom prst="ellipse">
+            <a:avLst/>
+          </a:prstGeom>
+        </p:spPr>
+        <p:style>
+          <a:lnRef idx="2">
+            <a:schemeClr val="dk1"/>
+          </a:lnRef>
+          <a:fillRef idx="1">
+            <a:schemeClr val="lt1"/>
+          </a:fillRef>
+          <a:effectRef idx="0">
+            <a:schemeClr val="dk1"/>
+          </a:effectRef>
+          <a:fontRef idx="minor">
+            <a:schemeClr val="dk1"/>
+          </a:fontRef>
+        </p:style>
+        <p:txBody>
+          <a:bodyPr rtlCol="0" anchor="ctr"/>
+          <a:lstStyle/>
+          <a:p>
+            <a:pPr algn="ctr"/>
+            <a:endParaRPr kumimoji="1" lang="ja-JP" altLang="en-US"/>
+          </a:p>
+        </p:txBody>
+      </p:sp>
+      <p:sp>
+        <p:nvSpPr>
+          <p:cNvPr id="143" name="テキスト ボックス 142">
+            <a:extLst>
+              <a:ext uri="{FF2B5EF4-FFF2-40B4-BE49-F238E27FC236}">
+                <a16:creationId xmlns:a16="http://schemas.microsoft.com/office/drawing/2014/main" id="{4D57F65B-C1D7-5D79-390A-77F2A06A8725}"/>
+              </a:ext>
+            </a:extLst>
+          </p:cNvPr>
+          <p:cNvSpPr txBox="1"/>
+          <p:nvPr/>
+        </p:nvSpPr>
+        <p:spPr>
+          <a:xfrm>
+            <a:off x="6127573" y="5125064"/>
+            <a:ext cx="322118" cy="276999"/>
+          </a:xfrm>
+          <a:prstGeom prst="rect">
+            <a:avLst/>
+          </a:prstGeom>
+          <a:noFill/>
+        </p:spPr>
+        <p:txBody>
+          <a:bodyPr wrap="square" rtlCol="0">
+            <a:spAutoFit/>
+          </a:bodyPr>
+          <a:lstStyle/>
+          <a:p>
+            <a:r>
+              <a:rPr lang="en-US" altLang="ja-JP" sz="1200"/>
+              <a:t>...</a:t>
+            </a:r>
+            <a:endParaRPr kumimoji="1" lang="ja-JP" altLang="en-US" sz="1200"/>
+          </a:p>
+        </p:txBody>
+      </p:sp>
+      <p:sp>
+        <p:nvSpPr>
+          <p:cNvPr id="148" name="テキスト ボックス 147">
+            <a:extLst>
+              <a:ext uri="{FF2B5EF4-FFF2-40B4-BE49-F238E27FC236}">
+                <a16:creationId xmlns:a16="http://schemas.microsoft.com/office/drawing/2014/main" id="{EBFECA71-111C-F853-EBB9-ACCB009F5BF8}"/>
+              </a:ext>
+            </a:extLst>
+          </p:cNvPr>
+          <p:cNvSpPr txBox="1"/>
+          <p:nvPr/>
+        </p:nvSpPr>
+        <p:spPr>
+          <a:xfrm>
+            <a:off x="1339371" y="172541"/>
+            <a:ext cx="1101800" cy="261610"/>
+          </a:xfrm>
+          <a:prstGeom prst="rect">
+            <a:avLst/>
+          </a:prstGeom>
+          <a:noFill/>
+        </p:spPr>
+        <p:txBody>
+          <a:bodyPr wrap="square" rtlCol="0">
+            <a:spAutoFit/>
+          </a:bodyPr>
+          <a:lstStyle/>
+          <a:p>
+            <a:pPr algn="ctr"/>
+            <a:r>
+              <a:rPr kumimoji="1" lang="ja-JP" altLang="en-US" sz="1100"/>
+              <a:t>入力層</a:t>
+            </a:r>
+          </a:p>
+        </p:txBody>
+      </p:sp>
+      <p:sp>
+        <p:nvSpPr>
+          <p:cNvPr id="149" name="テキスト ボックス 148">
+            <a:extLst>
+              <a:ext uri="{FF2B5EF4-FFF2-40B4-BE49-F238E27FC236}">
+                <a16:creationId xmlns:a16="http://schemas.microsoft.com/office/drawing/2014/main" id="{0D83AE1A-22D6-1080-130A-B76C2779B938}"/>
+              </a:ext>
+            </a:extLst>
+          </p:cNvPr>
+          <p:cNvSpPr txBox="1"/>
+          <p:nvPr/>
+        </p:nvSpPr>
+        <p:spPr>
+          <a:xfrm>
+            <a:off x="5732977" y="172541"/>
+            <a:ext cx="1101800" cy="261610"/>
+          </a:xfrm>
+          <a:prstGeom prst="rect">
+            <a:avLst/>
+          </a:prstGeom>
+          <a:noFill/>
+        </p:spPr>
+        <p:txBody>
+          <a:bodyPr wrap="square" rtlCol="0">
+            <a:spAutoFit/>
+          </a:bodyPr>
+          <a:lstStyle/>
+          <a:p>
+            <a:pPr algn="ctr"/>
+            <a:r>
+              <a:rPr lang="ja-JP" altLang="en-US" sz="1100"/>
+              <a:t>出力</a:t>
+            </a:r>
+            <a:r>
+              <a:rPr kumimoji="1" lang="ja-JP" altLang="en-US" sz="1100"/>
+              <a:t>層</a:t>
+            </a:r>
+          </a:p>
+        </p:txBody>
+      </p:sp>
+      <p:cxnSp>
+        <p:nvCxnSpPr>
+          <p:cNvPr id="150" name="直線コネクタ 149">
+            <a:extLst>
+              <a:ext uri="{FF2B5EF4-FFF2-40B4-BE49-F238E27FC236}">
+                <a16:creationId xmlns:a16="http://schemas.microsoft.com/office/drawing/2014/main" id="{47318F88-7F12-ACF0-EEEC-CA79697BE020}"/>
+              </a:ext>
+            </a:extLst>
+          </p:cNvPr>
+          <p:cNvCxnSpPr>
+            <a:cxnSpLocks/>
+            <a:stCxn id="2" idx="6"/>
+            <a:endCxn id="108" idx="2"/>
+          </p:cNvCxnSpPr>
+          <p:nvPr/>
+        </p:nvCxnSpPr>
+        <p:spPr>
+          <a:xfrm flipV="1">
+            <a:off x="1895026" y="803666"/>
+            <a:ext cx="1283381" cy="47261"/>
+          </a:xfrm>
+          <a:prstGeom prst="line">
+            <a:avLst/>
+          </a:prstGeom>
+          <a:ln w="3175">
+            <a:solidFill>
+              <a:schemeClr val="tx1"/>
+            </a:solidFill>
+          </a:ln>
+        </p:spPr>
+        <p:style>
+          <a:lnRef idx="1">
+            <a:schemeClr val="dk1"/>
+          </a:lnRef>
+          <a:fillRef idx="0">
+            <a:schemeClr val="dk1"/>
+          </a:fillRef>
+          <a:effectRef idx="0">
+            <a:schemeClr val="dk1"/>
+          </a:effectRef>
+          <a:fontRef idx="minor">
+            <a:schemeClr val="tx1"/>
+          </a:fontRef>
+        </p:style>
+      </p:cxnSp>
+      <p:cxnSp>
+        <p:nvCxnSpPr>
+          <p:cNvPr id="153" name="直線コネクタ 152">
+            <a:extLst>
+              <a:ext uri="{FF2B5EF4-FFF2-40B4-BE49-F238E27FC236}">
+                <a16:creationId xmlns:a16="http://schemas.microsoft.com/office/drawing/2014/main" id="{1566D7BB-D0F1-0555-5EAC-53D01F9D8FA1}"/>
+              </a:ext>
+            </a:extLst>
+          </p:cNvPr>
+          <p:cNvCxnSpPr>
+            <a:cxnSpLocks/>
+            <a:stCxn id="2" idx="6"/>
+            <a:endCxn id="109" idx="2"/>
+          </p:cNvCxnSpPr>
+          <p:nvPr/>
+        </p:nvCxnSpPr>
+        <p:spPr>
+          <a:xfrm>
+            <a:off x="1895026" y="850927"/>
+            <a:ext cx="1288136" cy="285340"/>
+          </a:xfrm>
+          <a:prstGeom prst="line">
+            <a:avLst/>
+          </a:prstGeom>
+          <a:ln w="3175">
+            <a:solidFill>
+              <a:schemeClr val="tx1"/>
+            </a:solidFill>
+          </a:ln>
+        </p:spPr>
+        <p:style>
+          <a:lnRef idx="1">
+            <a:schemeClr val="dk1"/>
+          </a:lnRef>
+          <a:fillRef idx="0">
+            <a:schemeClr val="dk1"/>
+          </a:fillRef>
+          <a:effectRef idx="0">
+            <a:schemeClr val="dk1"/>
+          </a:effectRef>
+          <a:fontRef idx="minor">
+            <a:schemeClr val="tx1"/>
+          </a:fontRef>
+        </p:style>
+      </p:cxnSp>
+      <p:sp>
+        <p:nvSpPr>
+          <p:cNvPr id="156" name="テキスト ボックス 155">
+            <a:extLst>
+              <a:ext uri="{FF2B5EF4-FFF2-40B4-BE49-F238E27FC236}">
+                <a16:creationId xmlns:a16="http://schemas.microsoft.com/office/drawing/2014/main" id="{039BE188-F314-A7E9-F0B3-9F78DEBB0D17}"/>
+              </a:ext>
+            </a:extLst>
+          </p:cNvPr>
+          <p:cNvSpPr txBox="1"/>
+          <p:nvPr/>
+        </p:nvSpPr>
+        <p:spPr>
+          <a:xfrm>
+            <a:off x="3191620" y="4952043"/>
+            <a:ext cx="516756" cy="261610"/>
+          </a:xfrm>
+          <a:prstGeom prst="rect">
+            <a:avLst/>
+          </a:prstGeom>
+          <a:noFill/>
+        </p:spPr>
+        <p:txBody>
+          <a:bodyPr wrap="square" rtlCol="0">
+            <a:spAutoFit/>
+          </a:bodyPr>
+          <a:lstStyle/>
+          <a:p>
+            <a:r>
+              <a:rPr kumimoji="1" lang="ja-JP" altLang="en-US" sz="1100"/>
+              <a:t>略</a:t>
+            </a:r>
+          </a:p>
+        </p:txBody>
+      </p:sp>
+      <p:sp>
+        <p:nvSpPr>
+          <p:cNvPr id="157" name="テキスト ボックス 156">
+            <a:extLst>
+              <a:ext uri="{FF2B5EF4-FFF2-40B4-BE49-F238E27FC236}">
+                <a16:creationId xmlns:a16="http://schemas.microsoft.com/office/drawing/2014/main" id="{DA245F20-BBB0-EC71-3F39-392A2CCCDC15}"/>
+              </a:ext>
+            </a:extLst>
+          </p:cNvPr>
+          <p:cNvSpPr txBox="1"/>
+          <p:nvPr/>
+        </p:nvSpPr>
+        <p:spPr>
+          <a:xfrm>
+            <a:off x="5105302" y="4936609"/>
+            <a:ext cx="516756" cy="261610"/>
+          </a:xfrm>
+          <a:prstGeom prst="rect">
+            <a:avLst/>
+          </a:prstGeom>
+          <a:noFill/>
+        </p:spPr>
+        <p:txBody>
+          <a:bodyPr wrap="square" rtlCol="0">
+            <a:spAutoFit/>
+          </a:bodyPr>
+          <a:lstStyle/>
+          <a:p>
+            <a:r>
+              <a:rPr kumimoji="1" lang="ja-JP" altLang="en-US" sz="1100"/>
+              <a:t>略</a:t>
+            </a:r>
+          </a:p>
+        </p:txBody>
+      </p:sp>
+      <p:sp>
+        <p:nvSpPr>
+          <p:cNvPr id="158" name="テキスト ボックス 157">
+            <a:extLst>
+              <a:ext uri="{FF2B5EF4-FFF2-40B4-BE49-F238E27FC236}">
+                <a16:creationId xmlns:a16="http://schemas.microsoft.com/office/drawing/2014/main" id="{701B6A19-93C9-0B13-E8B7-DC02258C7673}"/>
+              </a:ext>
+            </a:extLst>
+          </p:cNvPr>
+          <p:cNvSpPr txBox="1"/>
+          <p:nvPr/>
+        </p:nvSpPr>
+        <p:spPr>
+          <a:xfrm>
+            <a:off x="5136845" y="3127864"/>
+            <a:ext cx="516756" cy="261610"/>
+          </a:xfrm>
+          <a:prstGeom prst="rect">
+            <a:avLst/>
+          </a:prstGeom>
+          <a:noFill/>
+        </p:spPr>
+        <p:txBody>
+          <a:bodyPr wrap="square" rtlCol="0">
+            <a:spAutoFit/>
+          </a:bodyPr>
+          <a:lstStyle/>
+          <a:p>
+            <a:r>
+              <a:rPr kumimoji="1" lang="ja-JP" altLang="en-US" sz="1100"/>
+              <a:t>略</a:t>
+            </a:r>
+          </a:p>
+        </p:txBody>
+      </p:sp>
+      <p:sp>
+        <p:nvSpPr>
+          <p:cNvPr id="159" name="テキスト ボックス 158">
+            <a:extLst>
+              <a:ext uri="{FF2B5EF4-FFF2-40B4-BE49-F238E27FC236}">
+                <a16:creationId xmlns:a16="http://schemas.microsoft.com/office/drawing/2014/main" id="{2D69AAC4-DD65-2917-0133-47AEFEF95A05}"/>
+              </a:ext>
+            </a:extLst>
+          </p:cNvPr>
+          <p:cNvSpPr txBox="1"/>
+          <p:nvPr/>
+        </p:nvSpPr>
+        <p:spPr>
+          <a:xfrm>
+            <a:off x="5136845" y="1249469"/>
+            <a:ext cx="516756" cy="261610"/>
+          </a:xfrm>
+          <a:prstGeom prst="rect">
+            <a:avLst/>
+          </a:prstGeom>
+          <a:noFill/>
+        </p:spPr>
+        <p:txBody>
+          <a:bodyPr wrap="square" rtlCol="0">
+            <a:spAutoFit/>
+          </a:bodyPr>
+          <a:lstStyle/>
+          <a:p>
+            <a:r>
+              <a:rPr kumimoji="1" lang="ja-JP" altLang="en-US" sz="1100"/>
+              <a:t>略</a:t>
+            </a:r>
+          </a:p>
+        </p:txBody>
+      </p:sp>
+    </p:spTree>
+    <p:extLst>
+      <p:ext uri="{BB962C8B-B14F-4D97-AF65-F5344CB8AC3E}">
+        <p14:creationId xmlns:p14="http://schemas.microsoft.com/office/powerpoint/2010/main" val="3594340662"/>
       </p:ext>
     </p:extLst>
   </p:cSld>
